--- a/presentation.pptx
+++ b/presentation.pptx
@@ -3,9 +3,9 @@
 <p:presentation xmlns:a="http://schemas.openxmlformats.org/drawingml/2006/main" xmlns:p="http://schemas.openxmlformats.org/presentationml/2006/main" xmlns:r="http://schemas.openxmlformats.org/officeDocument/2006/relationships" xmlns:p14="http://schemas.microsoft.com/office/powerpoint/2010/main" xmlns:p15="http://schemas.microsoft.com/office/powerpoint/2012/main" xmlns:mc="http://schemas.openxmlformats.org/markup-compatibility/2006">
   <p:sldMasterIdLst>
     <p:sldMasterId id="2147483648" r:id="rId2"/>
-    <p:sldMasterId id="2147483652" r:id="rId3"/>
-    <p:sldMasterId id="2147483654" r:id="rId4"/>
-    <p:sldMasterId id="2147483655" r:id="rId5"/>
+    <p:sldMasterId id="2147483650" r:id="rId3"/>
+    <p:sldMasterId id="2147483652" r:id="rId4"/>
+    <p:sldMasterId id="2147483654" r:id="rId5"/>
   </p:sldMasterIdLst>
   <p:sldIdLst>
     <p:sldId id="256" r:id="rId6"/>
@@ -52,8 +52,8 @@
         </p:nvSpPr>
         <p:spPr>
           <a:xfrm>
-            <a:off x="504000" y="810000"/>
-            <a:ext cx="9071640" cy="1296000"/>
+            <a:off x="504000" y="74160"/>
+            <a:ext cx="9072000" cy="1250280"/>
           </a:xfrm>
           <a:prstGeom prst="rect">
             <a:avLst/>
@@ -93,8 +93,8 @@
         </p:nvSpPr>
         <p:spPr>
           <a:xfrm>
-            <a:off x="504000" y="2376000"/>
-            <a:ext cx="9071640" cy="2754000"/>
+            <a:off x="504000" y="1326600"/>
+            <a:ext cx="9072000" cy="3288600"/>
           </a:xfrm>
           <a:prstGeom prst="rect">
             <a:avLst/>
@@ -129,7 +129,7 @@
             <a:spLocks noGrp="1"/>
           </p:cNvSpPr>
           <p:nvPr>
-            <p:ph type="ftr" idx="2"/>
+            <p:ph type="ftr" idx="1"/>
           </p:nvPr>
         </p:nvSpPr>
         <p:spPr/>
@@ -149,14 +149,14 @@
             <a:spLocks noGrp="1"/>
           </p:cNvSpPr>
           <p:nvPr>
-            <p:ph type="sldNum" idx="3"/>
+            <p:ph type="sldNum" idx="2"/>
           </p:nvPr>
         </p:nvSpPr>
         <p:spPr/>
         <p:txBody>
           <a:bodyPr/>
           <a:p>
-            <a:fld id="{75009C78-828D-41FF-AD03-D2D61412C2FC}" type="slidenum">
+            <a:fld id="{63D6F3C6-29DF-4035-A3E2-2E426153701C}" type="slidenum">
               <a:t>&lt;#&gt;</a:t>
             </a:fld>
           </a:p>
@@ -169,7 +169,7 @@
             <a:spLocks noGrp="1"/>
           </p:cNvSpPr>
           <p:nvPr>
-            <p:ph type="dt" idx="1"/>
+            <p:ph type="dt" idx="3"/>
           </p:nvPr>
         </p:nvSpPr>
         <p:spPr/>
@@ -190,7 +190,7 @@
 
 <file path=ppt/slideLayouts/slideLayout2.xml><?xml version="1.0" encoding="utf-8"?>
 <p:sldLayout xmlns:a="http://schemas.openxmlformats.org/drawingml/2006/main" xmlns:p="http://schemas.openxmlformats.org/presentationml/2006/main" xmlns:r="http://schemas.openxmlformats.org/officeDocument/2006/relationships" xmlns:p14="http://schemas.microsoft.com/office/powerpoint/2010/main" xmlns:p15="http://schemas.microsoft.com/office/powerpoint/2012/main" xmlns:mc="http://schemas.openxmlformats.org/markup-compatibility/2006" type="blank" preserve="1">
-  <p:cSld name="Blueprint Plans">
+  <p:cSld name="Обычный">
     <p:spTree>
       <p:nvGrpSpPr>
         <p:cNvPr id="1" name=""/>
@@ -212,7 +212,7 @@
             <a:spLocks noGrp="1"/>
           </p:cNvSpPr>
           <p:nvPr>
-            <p:ph type="ftr" idx="2"/>
+            <p:ph type="ftr" idx="4"/>
           </p:nvPr>
         </p:nvSpPr>
         <p:spPr/>
@@ -232,14 +232,14 @@
             <a:spLocks noGrp="1"/>
           </p:cNvSpPr>
           <p:nvPr>
-            <p:ph type="sldNum" idx="3"/>
+            <p:ph type="sldNum" idx="5"/>
           </p:nvPr>
         </p:nvSpPr>
         <p:spPr/>
         <p:txBody>
           <a:bodyPr/>
           <a:p>
-            <a:fld id="{90A69BC9-8B6F-4E60-98A1-B4E2F8407D5B}" type="slidenum">
+            <a:fld id="{EDDBB177-CD5F-401F-9FE6-DA958ECA8434}" type="slidenum">
               <a:t>&lt;#&gt;</a:t>
             </a:fld>
           </a:p>
@@ -252,7 +252,7 @@
             <a:spLocks noGrp="1"/>
           </p:cNvSpPr>
           <p:nvPr>
-            <p:ph type="dt" idx="1"/>
+            <p:ph type="dt" idx="6"/>
           </p:nvPr>
         </p:nvSpPr>
         <p:spPr/>
@@ -273,7 +273,7 @@
 
 <file path=ppt/slideLayouts/slideLayout3.xml><?xml version="1.0" encoding="utf-8"?>
 <p:sldLayout xmlns:a="http://schemas.openxmlformats.org/drawingml/2006/main" xmlns:p="http://schemas.openxmlformats.org/presentationml/2006/main" xmlns:r="http://schemas.openxmlformats.org/officeDocument/2006/relationships" xmlns:p14="http://schemas.microsoft.com/office/powerpoint/2010/main" xmlns:p15="http://schemas.microsoft.com/office/powerpoint/2012/main" xmlns:mc="http://schemas.openxmlformats.org/markup-compatibility/2006" type="tx" preserve="1">
-  <p:cSld name="Blueprint Plans">
+  <p:cSld name="Обычный 1">
     <p:spTree>
       <p:nvGrpSpPr>
         <p:cNvPr id="1" name=""/>
@@ -290,7 +290,7 @@
       </p:grpSpPr>
       <p:sp>
         <p:nvSpPr>
-          <p:cNvPr id="8" name="PlaceHolder 1"/>
+          <p:cNvPr id="20" name="PlaceHolder 1"/>
           <p:cNvSpPr>
             <a:spLocks noGrp="1"/>
           </p:cNvSpPr>
@@ -300,8 +300,8 @@
         </p:nvSpPr>
         <p:spPr>
           <a:xfrm>
-            <a:off x="504000" y="810000"/>
-            <a:ext cx="9071640" cy="1296000"/>
+            <a:off x="504000" y="74160"/>
+            <a:ext cx="9072000" cy="1250280"/>
           </a:xfrm>
           <a:prstGeom prst="rect">
             <a:avLst/>
@@ -331,7 +331,7 @@
       </p:sp>
       <p:sp>
         <p:nvSpPr>
-          <p:cNvPr id="9" name="PlaceHolder 2"/>
+          <p:cNvPr id="21" name="PlaceHolder 2"/>
           <p:cNvSpPr>
             <a:spLocks noGrp="1"/>
           </p:cNvSpPr>
@@ -341,8 +341,8 @@
         </p:nvSpPr>
         <p:spPr>
           <a:xfrm>
-            <a:off x="504000" y="2376000"/>
-            <a:ext cx="9071640" cy="2754000"/>
+            <a:off x="504000" y="1326600"/>
+            <a:ext cx="9072000" cy="3288600"/>
           </a:xfrm>
           <a:prstGeom prst="rect">
             <a:avLst/>
@@ -359,11 +359,11 @@
           <a:p>
             <a:pPr indent="0">
               <a:spcBef>
-                <a:spcPts val="1414"/>
+                <a:spcPts val="1417"/>
               </a:spcBef>
               <a:buNone/>
             </a:pPr>
-            <a:endParaRPr b="0" lang="ru-RU" sz="3150" strike="noStrike" u="none">
+            <a:endParaRPr b="0" lang="ru-RU" sz="3200" strike="noStrike" u="none">
               <a:solidFill>
                 <a:srgbClr val="ffffff"/>
               </a:solidFill>
@@ -380,7 +380,7 @@
             <a:spLocks noGrp="1"/>
           </p:cNvSpPr>
           <p:nvPr>
-            <p:ph type="ftr" idx="2"/>
+            <p:ph type="ftr" idx="7"/>
           </p:nvPr>
         </p:nvSpPr>
         <p:spPr/>
@@ -400,14 +400,14 @@
             <a:spLocks noGrp="1"/>
           </p:cNvSpPr>
           <p:nvPr>
-            <p:ph type="sldNum" idx="3"/>
+            <p:ph type="sldNum" idx="8"/>
           </p:nvPr>
         </p:nvSpPr>
         <p:spPr/>
         <p:txBody>
           <a:bodyPr/>
           <a:p>
-            <a:fld id="{75E1FA4A-32E6-4FF8-9342-BB1D8B4C7D83}" type="slidenum">
+            <a:fld id="{86E15586-E517-4B30-9E37-0A1DF46228A7}" type="slidenum">
               <a:t>&lt;#&gt;</a:t>
             </a:fld>
           </a:p>
@@ -420,7 +420,7 @@
             <a:spLocks noGrp="1"/>
           </p:cNvSpPr>
           <p:nvPr>
-            <p:ph type="dt" idx="1"/>
+            <p:ph type="dt" idx="9"/>
           </p:nvPr>
         </p:nvSpPr>
         <p:spPr/>
@@ -458,7 +458,7 @@
       </p:grpSpPr>
       <p:sp>
         <p:nvSpPr>
-          <p:cNvPr id="15" name="PlaceHolder 1"/>
+          <p:cNvPr id="27" name="PlaceHolder 1"/>
           <p:cNvSpPr>
             <a:spLocks noGrp="1"/>
           </p:cNvSpPr>
@@ -468,8 +468,8 @@
         </p:nvSpPr>
         <p:spPr>
           <a:xfrm>
-            <a:off x="504000" y="810000"/>
-            <a:ext cx="9071640" cy="1296000"/>
+            <a:off x="504000" y="74160"/>
+            <a:ext cx="9072000" cy="1250280"/>
           </a:xfrm>
           <a:prstGeom prst="rect">
             <a:avLst/>
@@ -489,17 +489,17 @@
             </a:pPr>
             <a:endParaRPr b="0" lang="ru-RU" sz="4400" strike="noStrike" u="none">
               <a:solidFill>
-                <a:srgbClr val="ffffff"/>
-              </a:solidFill>
-              <a:uFillTx/>
-              <a:latin typeface="Arial"/>
-            </a:endParaRPr>
-          </a:p>
-        </p:txBody>
-      </p:sp>
-      <p:sp>
-        <p:nvSpPr>
-          <p:cNvPr id="16" name="PlaceHolder 2"/>
+                <a:srgbClr val="000000"/>
+              </a:solidFill>
+              <a:uFillTx/>
+              <a:latin typeface="Arial"/>
+            </a:endParaRPr>
+          </a:p>
+        </p:txBody>
+      </p:sp>
+      <p:sp>
+        <p:nvSpPr>
+          <p:cNvPr id="28" name="PlaceHolder 2"/>
           <p:cNvSpPr>
             <a:spLocks noGrp="1"/>
           </p:cNvSpPr>
@@ -509,8 +509,8 @@
         </p:nvSpPr>
         <p:spPr>
           <a:xfrm>
-            <a:off x="504000" y="2376000"/>
-            <a:ext cx="9071640" cy="2754000"/>
+            <a:off x="504000" y="1326600"/>
+            <a:ext cx="9072000" cy="3288600"/>
           </a:xfrm>
           <a:prstGeom prst="rect">
             <a:avLst/>
@@ -527,13 +527,13 @@
           <a:p>
             <a:pPr indent="0">
               <a:spcBef>
-                <a:spcPts val="1414"/>
+                <a:spcPts val="1417"/>
               </a:spcBef>
               <a:buNone/>
             </a:pPr>
-            <a:endParaRPr b="0" lang="ru-RU" sz="3150" strike="noStrike" u="none">
-              <a:solidFill>
-                <a:srgbClr val="ffffff"/>
+            <a:endParaRPr b="0" lang="ru-RU" sz="3200" strike="noStrike" u="none">
+              <a:solidFill>
+                <a:srgbClr val="000000"/>
               </a:solidFill>
               <a:uFillTx/>
               <a:latin typeface="Arial"/>
@@ -548,7 +548,7 @@
             <a:spLocks noGrp="1"/>
           </p:cNvSpPr>
           <p:nvPr>
-            <p:ph type="ftr" idx="5"/>
+            <p:ph type="ftr" idx="10"/>
           </p:nvPr>
         </p:nvSpPr>
         <p:spPr/>
@@ -568,14 +568,14 @@
             <a:spLocks noGrp="1"/>
           </p:cNvSpPr>
           <p:nvPr>
-            <p:ph type="sldNum" idx="6"/>
+            <p:ph type="sldNum" idx="11"/>
           </p:nvPr>
         </p:nvSpPr>
         <p:spPr/>
         <p:txBody>
           <a:bodyPr/>
           <a:p>
-            <a:fld id="{52770D1C-7922-46AE-9E41-9287A00DC6BF}" type="slidenum">
+            <a:fld id="{0D336588-A463-4A44-81F2-EC8247E01464}" type="slidenum">
               <a:t>&lt;#&gt;</a:t>
             </a:fld>
           </a:p>
@@ -588,7 +588,7 @@
             <a:spLocks noGrp="1"/>
           </p:cNvSpPr>
           <p:nvPr>
-            <p:ph type="dt" idx="4"/>
+            <p:ph type="dt" idx="12"/>
           </p:nvPr>
         </p:nvSpPr>
         <p:spPr/>
@@ -645,7 +645,7 @@
         <p:spPr>
           <a:xfrm>
             <a:off x="0" y="0"/>
-            <a:ext cx="10080000" cy="5670000"/>
+            <a:ext cx="10079640" cy="5669640"/>
           </a:xfrm>
           <a:prstGeom prst="rect">
             <a:avLst/>
@@ -668,7 +668,7 @@
         <p:spPr>
           <a:xfrm>
             <a:off x="504000" y="810000"/>
-            <a:ext cx="9071640" cy="1296000"/>
+            <a:ext cx="9071280" cy="1295640"/>
           </a:xfrm>
           <a:prstGeom prst="rect">
             <a:avLst/>
@@ -683,11 +683,11 @@
             <a:noAutofit/>
           </a:bodyPr>
           <a:p>
-            <a:pPr indent="0" algn="ctr">
+            <a:pPr indent="0">
               <a:buNone/>
             </a:pPr>
             <a:r>
-              <a:rPr b="0" lang="ru-RU" sz="4400" strike="noStrike" u="none">
+              <a:rPr b="0" lang="ru-RU" sz="1800" strike="noStrike" u="none">
                 <a:solidFill>
                   <a:srgbClr val="ffffff"/>
                 </a:solidFill>
@@ -696,7 +696,7 @@
               </a:rPr>
               <a:t>Для правки текста заглавия щёлкните мышью</a:t>
             </a:r>
-            <a:endParaRPr b="0" lang="ru-RU" sz="4400" strike="noStrike" u="none">
+            <a:endParaRPr b="0" lang="ru-RU" sz="1800" strike="noStrike" u="none">
               <a:solidFill>
                 <a:srgbClr val="ffffff"/>
               </a:solidFill>
@@ -713,13 +713,13 @@
             <a:spLocks noGrp="1"/>
           </p:cNvSpPr>
           <p:nvPr>
-            <p:ph type="body"/>
-          </p:nvPr>
-        </p:nvSpPr>
-        <p:spPr>
-          <a:xfrm>
-            <a:off x="504000" y="2376000"/>
-            <a:ext cx="9071640" cy="2754000"/>
+            <p:ph type="ftr" idx="1"/>
+          </p:nvPr>
+        </p:nvSpPr>
+        <p:spPr>
+          <a:xfrm>
+            <a:off x="3447360" y="5164920"/>
+            <a:ext cx="3194640" cy="390240"/>
           </a:xfrm>
           <a:prstGeom prst="rect">
             <a:avLst/>
@@ -731,234 +731,145 @@
         </p:spPr>
         <p:txBody>
           <a:bodyPr lIns="0" rIns="0" tIns="0" bIns="0" anchor="t">
-            <a:normAutofit/>
+            <a:noAutofit/>
           </a:bodyPr>
-          <a:p>
-            <a:pPr marL="432000" indent="-324000">
-              <a:spcBef>
-                <a:spcPts val="1414"/>
-              </a:spcBef>
-              <a:buClr>
-                <a:srgbClr val="ffffff"/>
-              </a:buClr>
-              <a:buSzPct val="45000"/>
-              <a:buFont typeface="Wingdings" charset="2"/>
-              <a:buChar char=""/>
-            </a:pPr>
-            <a:r>
-              <a:rPr b="0" lang="ru-RU" sz="3150" strike="noStrike" u="none">
+          <a:lstStyle>
+            <a:lvl1pPr indent="0" algn="ctr">
+              <a:lnSpc>
+                <a:spcPct val="100000"/>
+              </a:lnSpc>
+              <a:buNone/>
+              <a:tabLst>
+                <a:tab algn="l" pos="0"/>
+              </a:tabLst>
+              <a:defRPr b="0" lang="ru-RU" sz="1400" strike="noStrike" u="none">
                 <a:solidFill>
                   <a:srgbClr val="ffffff"/>
                 </a:solidFill>
                 <a:uFillTx/>
                 <a:latin typeface="Arial"/>
-              </a:rPr>
-              <a:t>Для правки структуры щёлкните мышью</a:t>
-            </a:r>
-            <a:endParaRPr b="0" lang="ru-RU" sz="3150" strike="noStrike" u="none">
-              <a:solidFill>
-                <a:srgbClr val="ffffff"/>
-              </a:solidFill>
-              <a:uFillTx/>
-              <a:latin typeface="Arial"/>
-            </a:endParaRPr>
-          </a:p>
-          <a:p>
-            <a:pPr lvl="1" marL="864000" indent="-324000">
-              <a:spcBef>
-                <a:spcPts val="1134"/>
-              </a:spcBef>
-              <a:buClr>
-                <a:srgbClr val="ffffff"/>
-              </a:buClr>
-              <a:buSzPct val="75000"/>
-              <a:buFont typeface="Symbol" charset="2"/>
-              <a:buChar char=""/>
-            </a:pPr>
-            <a:r>
-              <a:rPr b="0" lang="ru-RU" sz="2400" strike="noStrike" u="none">
+              </a:defRPr>
+            </a:lvl1pPr>
+          </a:lstStyle>
+          <a:p>
+            <a:pPr indent="0" algn="ctr">
+              <a:lnSpc>
+                <a:spcPct val="100000"/>
+              </a:lnSpc>
+              <a:buNone/>
+              <a:tabLst>
+                <a:tab algn="l" pos="0"/>
+              </a:tabLst>
+            </a:pPr>
+            <a:r>
+              <a:rPr b="0" lang="ru-RU" sz="1400" strike="noStrike" u="none">
                 <a:solidFill>
                   <a:srgbClr val="ffffff"/>
                 </a:solidFill>
                 <a:uFillTx/>
                 <a:latin typeface="Arial"/>
               </a:rPr>
-              <a:t>Второй уровень структуры</a:t>
-            </a:r>
-            <a:endParaRPr b="0" lang="ru-RU" sz="2400" strike="noStrike" u="none">
-              <a:solidFill>
-                <a:srgbClr val="ffffff"/>
-              </a:solidFill>
-              <a:uFillTx/>
-              <a:latin typeface="Arial"/>
-            </a:endParaRPr>
-          </a:p>
-          <a:p>
-            <a:pPr lvl="2" marL="1296000" indent="-288000">
-              <a:spcBef>
-                <a:spcPts val="850"/>
-              </a:spcBef>
-              <a:buClr>
-                <a:srgbClr val="ffffff"/>
-              </a:buClr>
-              <a:buSzPct val="45000"/>
-              <a:buFont typeface="Wingdings" charset="2"/>
-              <a:buChar char=""/>
-            </a:pPr>
-            <a:r>
-              <a:rPr b="0" lang="ru-RU" sz="1800" strike="noStrike" u="none">
+              <a:t>&lt;нижний колонтитул&gt;</a:t>
+            </a:r>
+            <a:endParaRPr b="0" lang="ru-RU" sz="1400" strike="noStrike" u="none">
+              <a:solidFill>
+                <a:srgbClr val="ffffff"/>
+              </a:solidFill>
+              <a:uFillTx/>
+              <a:latin typeface="Times New Roman"/>
+            </a:endParaRPr>
+          </a:p>
+        </p:txBody>
+      </p:sp>
+      <p:sp>
+        <p:nvSpPr>
+          <p:cNvPr id="3" name="PlaceHolder 3"/>
+          <p:cNvSpPr>
+            <a:spLocks noGrp="1"/>
+          </p:cNvSpPr>
+          <p:nvPr>
+            <p:ph type="sldNum" idx="2"/>
+          </p:nvPr>
+        </p:nvSpPr>
+        <p:spPr>
+          <a:xfrm>
+            <a:off x="7227360" y="5164920"/>
+            <a:ext cx="2347920" cy="390240"/>
+          </a:xfrm>
+          <a:prstGeom prst="rect">
+            <a:avLst/>
+          </a:prstGeom>
+          <a:noFill/>
+          <a:ln w="0">
+            <a:noFill/>
+          </a:ln>
+        </p:spPr>
+        <p:txBody>
+          <a:bodyPr lIns="0" rIns="0" tIns="0" bIns="0" anchor="t">
+            <a:noAutofit/>
+          </a:bodyPr>
+          <a:lstStyle>
+            <a:lvl1pPr indent="0" algn="r">
+              <a:lnSpc>
+                <a:spcPct val="100000"/>
+              </a:lnSpc>
+              <a:buNone/>
+              <a:tabLst>
+                <a:tab algn="l" pos="0"/>
+              </a:tabLst>
+              <a:defRPr b="0" lang="ru-RU" sz="1400" strike="noStrike" u="none">
                 <a:solidFill>
                   <a:srgbClr val="ffffff"/>
                 </a:solidFill>
                 <a:uFillTx/>
                 <a:latin typeface="Arial"/>
-              </a:rPr>
-              <a:t>Третий уровень структуры</a:t>
-            </a:r>
-            <a:endParaRPr b="0" lang="ru-RU" sz="1800" strike="noStrike" u="none">
-              <a:solidFill>
-                <a:srgbClr val="ffffff"/>
-              </a:solidFill>
-              <a:uFillTx/>
-              <a:latin typeface="Arial"/>
-            </a:endParaRPr>
-          </a:p>
-          <a:p>
-            <a:pPr lvl="3" marL="1728000" indent="-216000">
-              <a:spcBef>
-                <a:spcPts val="567"/>
-              </a:spcBef>
-              <a:buClr>
-                <a:srgbClr val="ffffff"/>
-              </a:buClr>
-              <a:buSzPct val="75000"/>
-              <a:buFont typeface="Symbol" charset="2"/>
-              <a:buChar char=""/>
-            </a:pPr>
-            <a:r>
-              <a:rPr b="0" lang="ru-RU" sz="1500" strike="noStrike" u="none">
+              </a:defRPr>
+            </a:lvl1pPr>
+          </a:lstStyle>
+          <a:p>
+            <a:pPr indent="0" algn="r">
+              <a:lnSpc>
+                <a:spcPct val="100000"/>
+              </a:lnSpc>
+              <a:buNone/>
+              <a:tabLst>
+                <a:tab algn="l" pos="0"/>
+              </a:tabLst>
+            </a:pPr>
+            <a:fld id="{F9191E8C-EE86-4BAD-A532-11B6018BB06E}" type="slidenum">
+              <a:rPr b="0" lang="ru-RU" sz="1400" strike="noStrike" u="none">
                 <a:solidFill>
                   <a:srgbClr val="ffffff"/>
                 </a:solidFill>
                 <a:uFillTx/>
                 <a:latin typeface="Arial"/>
               </a:rPr>
-              <a:t>Четвёртый уровень структуры</a:t>
-            </a:r>
-            <a:endParaRPr b="0" lang="ru-RU" sz="1500" strike="noStrike" u="none">
-              <a:solidFill>
-                <a:srgbClr val="ffffff"/>
-              </a:solidFill>
-              <a:uFillTx/>
-              <a:latin typeface="Arial"/>
-            </a:endParaRPr>
-          </a:p>
-          <a:p>
-            <a:pPr lvl="4" marL="2160000" indent="-216000">
-              <a:spcBef>
-                <a:spcPts val="283"/>
-              </a:spcBef>
-              <a:buClr>
-                <a:srgbClr val="ffffff"/>
-              </a:buClr>
-              <a:buSzPct val="45000"/>
-              <a:buFont typeface="Wingdings" charset="2"/>
-              <a:buChar char=""/>
-            </a:pPr>
-            <a:r>
-              <a:rPr b="0" lang="ru-RU" sz="1500" strike="noStrike" u="none">
-                <a:solidFill>
-                  <a:srgbClr val="ffffff"/>
-                </a:solidFill>
-                <a:uFillTx/>
-                <a:latin typeface="Arial"/>
-              </a:rPr>
-              <a:t>Пятый уровень структуры</a:t>
-            </a:r>
-            <a:endParaRPr b="0" lang="ru-RU" sz="1500" strike="noStrike" u="none">
-              <a:solidFill>
-                <a:srgbClr val="ffffff"/>
-              </a:solidFill>
-              <a:uFillTx/>
-              <a:latin typeface="Arial"/>
-            </a:endParaRPr>
-          </a:p>
-          <a:p>
-            <a:pPr lvl="5" marL="2592000" indent="-216000">
-              <a:spcBef>
-                <a:spcPts val="283"/>
-              </a:spcBef>
-              <a:buClr>
-                <a:srgbClr val="ffffff"/>
-              </a:buClr>
-              <a:buSzPct val="45000"/>
-              <a:buFont typeface="Wingdings" charset="2"/>
-              <a:buChar char=""/>
-            </a:pPr>
-            <a:r>
-              <a:rPr b="0" lang="ru-RU" sz="1500" strike="noStrike" u="none">
-                <a:solidFill>
-                  <a:srgbClr val="ffffff"/>
-                </a:solidFill>
-                <a:uFillTx/>
-                <a:latin typeface="Arial"/>
-              </a:rPr>
-              <a:t>Шестой уровень структуры</a:t>
-            </a:r>
-            <a:endParaRPr b="0" lang="ru-RU" sz="1500" strike="noStrike" u="none">
-              <a:solidFill>
-                <a:srgbClr val="ffffff"/>
-              </a:solidFill>
-              <a:uFillTx/>
-              <a:latin typeface="Arial"/>
-            </a:endParaRPr>
-          </a:p>
-          <a:p>
-            <a:pPr lvl="6" marL="3024000" indent="-216000">
-              <a:spcBef>
-                <a:spcPts val="283"/>
-              </a:spcBef>
-              <a:buClr>
-                <a:srgbClr val="ffffff"/>
-              </a:buClr>
-              <a:buSzPct val="45000"/>
-              <a:buFont typeface="Wingdings" charset="2"/>
-              <a:buChar char=""/>
-            </a:pPr>
-            <a:r>
-              <a:rPr b="0" lang="ru-RU" sz="1500" strike="noStrike" u="none">
-                <a:solidFill>
-                  <a:srgbClr val="ffffff"/>
-                </a:solidFill>
-                <a:uFillTx/>
-                <a:latin typeface="Arial"/>
-              </a:rPr>
-              <a:t>Седьмой уровень структуры</a:t>
-            </a:r>
-            <a:endParaRPr b="0" lang="ru-RU" sz="1500" strike="noStrike" u="none">
-              <a:solidFill>
-                <a:srgbClr val="ffffff"/>
-              </a:solidFill>
-              <a:uFillTx/>
-              <a:latin typeface="Arial"/>
-            </a:endParaRPr>
-          </a:p>
-        </p:txBody>
-      </p:sp>
-      <p:sp>
-        <p:nvSpPr>
-          <p:cNvPr id="3" name="PlaceHolder 3"/>
-          <p:cNvSpPr>
-            <a:spLocks noGrp="1"/>
-          </p:cNvSpPr>
-          <p:nvPr>
-            <p:ph type="dt" idx="1"/>
+              <a:t>&lt;номер&gt;</a:t>
+            </a:fld>
+            <a:endParaRPr b="0" lang="ru-RU" sz="1400" strike="noStrike" u="none">
+              <a:solidFill>
+                <a:srgbClr val="ffffff"/>
+              </a:solidFill>
+              <a:uFillTx/>
+              <a:latin typeface="Times New Roman"/>
+            </a:endParaRPr>
+          </a:p>
+        </p:txBody>
+      </p:sp>
+      <p:sp>
+        <p:nvSpPr>
+          <p:cNvPr id="4" name="PlaceHolder 4"/>
+          <p:cNvSpPr>
+            <a:spLocks noGrp="1"/>
+          </p:cNvSpPr>
+          <p:nvPr>
+            <p:ph type="dt" idx="3"/>
           </p:nvPr>
         </p:nvSpPr>
         <p:spPr>
           <a:xfrm>
             <a:off x="504000" y="5164920"/>
-            <a:ext cx="2348280" cy="390600"/>
+            <a:ext cx="2347920" cy="390240"/>
           </a:xfrm>
           <a:prstGeom prst="rect">
             <a:avLst/>
@@ -980,7 +891,7 @@
                   <a:srgbClr val="ffffff"/>
                 </a:solidFill>
                 <a:uFillTx/>
-                <a:latin typeface="Arial"/>
+                <a:latin typeface="Times New Roman"/>
               </a:defRPr>
             </a:lvl1pPr>
           </a:lstStyle>
@@ -994,7 +905,7 @@
                   <a:srgbClr val="ffffff"/>
                 </a:solidFill>
                 <a:uFillTx/>
-                <a:latin typeface="Arial"/>
+                <a:latin typeface="Times New Roman"/>
               </a:rPr>
               <a:t>&lt;дата/время&gt;</a:t>
             </a:r>
@@ -1003,25 +914,25 @@
                 <a:srgbClr val="ffffff"/>
               </a:solidFill>
               <a:uFillTx/>
-              <a:latin typeface="Arial"/>
-            </a:endParaRPr>
-          </a:p>
-        </p:txBody>
-      </p:sp>
-      <p:sp>
-        <p:nvSpPr>
-          <p:cNvPr id="4" name="PlaceHolder 4"/>
-          <p:cNvSpPr>
-            <a:spLocks noGrp="1"/>
-          </p:cNvSpPr>
-          <p:nvPr>
-            <p:ph type="ftr" idx="2"/>
-          </p:nvPr>
-        </p:nvSpPr>
-        <p:spPr>
-          <a:xfrm>
-            <a:off x="3447360" y="5164920"/>
-            <a:ext cx="3195000" cy="390600"/>
+              <a:latin typeface="Times New Roman"/>
+            </a:endParaRPr>
+          </a:p>
+        </p:txBody>
+      </p:sp>
+      <p:sp>
+        <p:nvSpPr>
+          <p:cNvPr id="5" name="PlaceHolder 5"/>
+          <p:cNvSpPr>
+            <a:spLocks noGrp="1"/>
+          </p:cNvSpPr>
+          <p:nvPr>
+            <p:ph type="body"/>
+          </p:nvPr>
+        </p:nvSpPr>
+        <p:spPr>
+          <a:xfrm>
+            <a:off x="504000" y="1326600"/>
+            <a:ext cx="9072000" cy="3288600"/>
           </a:xfrm>
           <a:prstGeom prst="rect">
             <a:avLst/>
@@ -1033,98 +944,211 @@
         </p:spPr>
         <p:txBody>
           <a:bodyPr lIns="0" rIns="0" tIns="0" bIns="0" anchor="t">
-            <a:noAutofit/>
+            <a:normAutofit/>
           </a:bodyPr>
-          <a:lstStyle>
-            <a:lvl1pPr indent="0" algn="ctr">
-              <a:buNone/>
-              <a:defRPr b="0" lang="ru-RU" sz="1400" strike="noStrike" u="none">
+          <a:p>
+            <a:pPr marL="432000" indent="-324000">
+              <a:spcBef>
+                <a:spcPts val="1417"/>
+              </a:spcBef>
+              <a:buClr>
+                <a:srgbClr val="ffffff"/>
+              </a:buClr>
+              <a:buSzPct val="45000"/>
+              <a:buFont typeface="Wingdings" charset="2"/>
+              <a:buChar char=""/>
+            </a:pPr>
+            <a:r>
+              <a:rPr b="0" lang="ru-RU" sz="3200" strike="noStrike" u="none">
                 <a:solidFill>
                   <a:srgbClr val="ffffff"/>
                 </a:solidFill>
                 <a:uFillTx/>
                 <a:latin typeface="Arial"/>
-              </a:defRPr>
-            </a:lvl1pPr>
-          </a:lstStyle>
-          <a:p>
-            <a:pPr indent="0" algn="ctr">
-              <a:buNone/>
-            </a:pPr>
-            <a:r>
-              <a:rPr b="0" lang="ru-RU" sz="1400" strike="noStrike" u="none">
+              </a:rPr>
+              <a:t>Для правки структуры щёлкните мышью</a:t>
+            </a:r>
+            <a:endParaRPr b="0" lang="ru-RU" sz="3200" strike="noStrike" u="none">
+              <a:solidFill>
+                <a:srgbClr val="ffffff"/>
+              </a:solidFill>
+              <a:uFillTx/>
+              <a:latin typeface="Arial"/>
+            </a:endParaRPr>
+          </a:p>
+          <a:p>
+            <a:pPr lvl="1" marL="864000" indent="-324000">
+              <a:spcBef>
+                <a:spcPts val="1134"/>
+              </a:spcBef>
+              <a:buClr>
+                <a:srgbClr val="ffffff"/>
+              </a:buClr>
+              <a:buSzPct val="75000"/>
+              <a:buFont typeface="Symbol" charset="2"/>
+              <a:buChar char=""/>
+            </a:pPr>
+            <a:r>
+              <a:rPr b="0" lang="ru-RU" sz="2800" strike="noStrike" u="none">
                 <a:solidFill>
                   <a:srgbClr val="ffffff"/>
                 </a:solidFill>
                 <a:uFillTx/>
                 <a:latin typeface="Arial"/>
               </a:rPr>
-              <a:t>&lt;нижний колонтитул&gt;</a:t>
-            </a:r>
-            <a:endParaRPr b="0" lang="ru-RU" sz="1400" strike="noStrike" u="none">
-              <a:solidFill>
-                <a:srgbClr val="ffffff"/>
-              </a:solidFill>
-              <a:uFillTx/>
-              <a:latin typeface="Arial"/>
-            </a:endParaRPr>
-          </a:p>
-        </p:txBody>
-      </p:sp>
-      <p:sp>
-        <p:nvSpPr>
-          <p:cNvPr id="5" name="PlaceHolder 5"/>
-          <p:cNvSpPr>
-            <a:spLocks noGrp="1"/>
-          </p:cNvSpPr>
-          <p:nvPr>
-            <p:ph type="sldNum" idx="3"/>
-          </p:nvPr>
-        </p:nvSpPr>
-        <p:spPr>
-          <a:xfrm>
-            <a:off x="7227360" y="5164920"/>
-            <a:ext cx="2348280" cy="390600"/>
-          </a:xfrm>
-          <a:prstGeom prst="rect">
-            <a:avLst/>
-          </a:prstGeom>
-          <a:noFill/>
-          <a:ln w="0">
-            <a:noFill/>
-          </a:ln>
-        </p:spPr>
-        <p:txBody>
-          <a:bodyPr lIns="0" rIns="0" tIns="0" bIns="0" anchor="t">
-            <a:noAutofit/>
-          </a:bodyPr>
-          <a:lstStyle>
-            <a:lvl1pPr indent="0" algn="r">
-              <a:buNone/>
-              <a:defRPr b="0" lang="ru-RU" sz="1400" strike="noStrike" u="none">
+              <a:t>Второй уровень структуры</a:t>
+            </a:r>
+            <a:endParaRPr b="0" lang="ru-RU" sz="2800" strike="noStrike" u="none">
+              <a:solidFill>
+                <a:srgbClr val="ffffff"/>
+              </a:solidFill>
+              <a:uFillTx/>
+              <a:latin typeface="Arial"/>
+            </a:endParaRPr>
+          </a:p>
+          <a:p>
+            <a:pPr lvl="2" marL="1296000" indent="-288000">
+              <a:spcBef>
+                <a:spcPts val="850"/>
+              </a:spcBef>
+              <a:buClr>
+                <a:srgbClr val="ffffff"/>
+              </a:buClr>
+              <a:buSzPct val="45000"/>
+              <a:buFont typeface="Wingdings" charset="2"/>
+              <a:buChar char=""/>
+            </a:pPr>
+            <a:r>
+              <a:rPr b="0" lang="ru-RU" sz="2400" strike="noStrike" u="none">
                 <a:solidFill>
                   <a:srgbClr val="ffffff"/>
                 </a:solidFill>
                 <a:uFillTx/>
                 <a:latin typeface="Arial"/>
-              </a:defRPr>
-            </a:lvl1pPr>
-          </a:lstStyle>
-          <a:p>
-            <a:pPr indent="0" algn="r">
-              <a:buNone/>
-            </a:pPr>
-            <a:fld id="{9D208571-ECBE-4F1F-9078-E0747765EB2E}" type="slidenum">
-              <a:rPr b="0" lang="ru-RU" sz="1400" strike="noStrike" u="none">
+              </a:rPr>
+              <a:t>Третий уровень структуры</a:t>
+            </a:r>
+            <a:endParaRPr b="0" lang="ru-RU" sz="2400" strike="noStrike" u="none">
+              <a:solidFill>
+                <a:srgbClr val="ffffff"/>
+              </a:solidFill>
+              <a:uFillTx/>
+              <a:latin typeface="Arial"/>
+            </a:endParaRPr>
+          </a:p>
+          <a:p>
+            <a:pPr lvl="3" marL="1728000" indent="-216000">
+              <a:spcBef>
+                <a:spcPts val="567"/>
+              </a:spcBef>
+              <a:buClr>
+                <a:srgbClr val="ffffff"/>
+              </a:buClr>
+              <a:buSzPct val="75000"/>
+              <a:buFont typeface="Symbol" charset="2"/>
+              <a:buChar char=""/>
+            </a:pPr>
+            <a:r>
+              <a:rPr b="0" lang="ru-RU" sz="2000" strike="noStrike" u="none">
                 <a:solidFill>
                   <a:srgbClr val="ffffff"/>
                 </a:solidFill>
                 <a:uFillTx/>
                 <a:latin typeface="Arial"/>
               </a:rPr>
-              <a:t>&lt;номер&gt;</a:t>
-            </a:fld>
-            <a:endParaRPr b="0" lang="ru-RU" sz="1400" strike="noStrike" u="none">
+              <a:t>Четвёртый уровень структуры</a:t>
+            </a:r>
+            <a:endParaRPr b="0" lang="ru-RU" sz="2000" strike="noStrike" u="none">
+              <a:solidFill>
+                <a:srgbClr val="ffffff"/>
+              </a:solidFill>
+              <a:uFillTx/>
+              <a:latin typeface="Arial"/>
+            </a:endParaRPr>
+          </a:p>
+          <a:p>
+            <a:pPr lvl="4" marL="2160000" indent="-216000">
+              <a:spcBef>
+                <a:spcPts val="283"/>
+              </a:spcBef>
+              <a:buClr>
+                <a:srgbClr val="ffffff"/>
+              </a:buClr>
+              <a:buSzPct val="45000"/>
+              <a:buFont typeface="Wingdings" charset="2"/>
+              <a:buChar char=""/>
+            </a:pPr>
+            <a:r>
+              <a:rPr b="0" lang="ru-RU" sz="2000" strike="noStrike" u="none">
+                <a:solidFill>
+                  <a:srgbClr val="ffffff"/>
+                </a:solidFill>
+                <a:uFillTx/>
+                <a:latin typeface="Arial"/>
+              </a:rPr>
+              <a:t>Пятый уровень структуры</a:t>
+            </a:r>
+            <a:endParaRPr b="0" lang="ru-RU" sz="2000" strike="noStrike" u="none">
+              <a:solidFill>
+                <a:srgbClr val="ffffff"/>
+              </a:solidFill>
+              <a:uFillTx/>
+              <a:latin typeface="Arial"/>
+            </a:endParaRPr>
+          </a:p>
+          <a:p>
+            <a:pPr lvl="5" marL="2592000" indent="-216000">
+              <a:spcBef>
+                <a:spcPts val="283"/>
+              </a:spcBef>
+              <a:buClr>
+                <a:srgbClr val="ffffff"/>
+              </a:buClr>
+              <a:buSzPct val="45000"/>
+              <a:buFont typeface="Wingdings" charset="2"/>
+              <a:buChar char=""/>
+            </a:pPr>
+            <a:r>
+              <a:rPr b="0" lang="ru-RU" sz="2000" strike="noStrike" u="none">
+                <a:solidFill>
+                  <a:srgbClr val="ffffff"/>
+                </a:solidFill>
+                <a:uFillTx/>
+                <a:latin typeface="Arial"/>
+              </a:rPr>
+              <a:t>Шестой уровень структуры</a:t>
+            </a:r>
+            <a:endParaRPr b="0" lang="ru-RU" sz="2000" strike="noStrike" u="none">
+              <a:solidFill>
+                <a:srgbClr val="ffffff"/>
+              </a:solidFill>
+              <a:uFillTx/>
+              <a:latin typeface="Arial"/>
+            </a:endParaRPr>
+          </a:p>
+          <a:p>
+            <a:pPr lvl="6" marL="3024000" indent="-216000">
+              <a:spcBef>
+                <a:spcPts val="283"/>
+              </a:spcBef>
+              <a:buClr>
+                <a:srgbClr val="ffffff"/>
+              </a:buClr>
+              <a:buSzPct val="45000"/>
+              <a:buFont typeface="Wingdings" charset="2"/>
+              <a:buChar char=""/>
+            </a:pPr>
+            <a:r>
+              <a:rPr b="0" lang="ru-RU" sz="2000" strike="noStrike" u="none">
+                <a:solidFill>
+                  <a:srgbClr val="ffffff"/>
+                </a:solidFill>
+                <a:uFillTx/>
+                <a:latin typeface="Arial"/>
+              </a:rPr>
+              <a:t>Седьмой уровень структуры</a:t>
+            </a:r>
+            <a:endParaRPr b="0" lang="ru-RU" sz="2000" strike="noStrike" u="none">
               <a:solidFill>
                 <a:srgbClr val="ffffff"/>
               </a:solidFill>
@@ -1139,8 +1163,6 @@
   <p:clrMap bg1="lt1" tx1="dk1" bg2="lt2" tx2="dk2" accent1="accent1" accent2="accent2" accent3="accent3" accent4="accent4" accent5="accent5" accent6="accent6" hlink="hlink" folHlink="folHlink"/>
   <p:sldLayoutIdLst>
     <p:sldLayoutId id="2147483649" r:id="rId4"/>
-    <p:sldLayoutId id="2147483650" r:id="rId5"/>
-    <p:sldLayoutId id="2147483651" r:id="rId6"/>
   </p:sldLayoutIdLst>
 </p:sldMaster>
 </file>
@@ -1170,20 +1192,43 @@
           <a:chExt cx="0" cy="0"/>
         </a:xfrm>
       </p:grpSpPr>
-      <p:sp>
-        <p:nvSpPr>
-          <p:cNvPr id="10" name="PlaceHolder 1"/>
-          <p:cNvSpPr>
-            <a:spLocks noGrp="1"/>
-          </p:cNvSpPr>
-          <p:nvPr>
-            <p:ph type="title"/>
-          </p:nvPr>
-        </p:nvSpPr>
-        <p:spPr>
-          <a:xfrm>
-            <a:off x="504000" y="225720"/>
-            <a:ext cx="9071640" cy="946800"/>
+      <p:pic>
+        <p:nvPicPr>
+          <p:cNvPr id="8" name="" descr=""/>
+          <p:cNvPicPr/>
+          <p:nvPr/>
+        </p:nvPicPr>
+        <p:blipFill>
+          <a:blip r:embed="rId3"/>
+          <a:stretch/>
+        </p:blipFill>
+        <p:spPr>
+          <a:xfrm>
+            <a:off x="0" y="0"/>
+            <a:ext cx="10079640" cy="5669640"/>
+          </a:xfrm>
+          <a:prstGeom prst="rect">
+            <a:avLst/>
+          </a:prstGeom>
+          <a:ln w="18000">
+            <a:noFill/>
+          </a:ln>
+        </p:spPr>
+      </p:pic>
+      <p:sp>
+        <p:nvSpPr>
+          <p:cNvPr id="9" name="PlaceHolder 1"/>
+          <p:cNvSpPr>
+            <a:spLocks noGrp="1"/>
+          </p:cNvSpPr>
+          <p:nvPr>
+            <p:ph type="ftr" idx="4"/>
+          </p:nvPr>
+        </p:nvSpPr>
+        <p:spPr>
+          <a:xfrm>
+            <a:off x="3447360" y="5164920"/>
+            <a:ext cx="3194640" cy="390240"/>
           </a:xfrm>
           <a:prstGeom prst="rect">
             <a:avLst/>
@@ -1194,47 +1239,71 @@
           </a:ln>
         </p:spPr>
         <p:txBody>
-          <a:bodyPr lIns="0" rIns="0" tIns="0" bIns="0" anchor="ctr">
+          <a:bodyPr lIns="0" rIns="0" tIns="0" bIns="0" anchor="t">
             <a:noAutofit/>
           </a:bodyPr>
+          <a:lstStyle>
+            <a:lvl1pPr indent="0" algn="ctr">
+              <a:lnSpc>
+                <a:spcPct val="100000"/>
+              </a:lnSpc>
+              <a:buNone/>
+              <a:tabLst>
+                <a:tab algn="l" pos="0"/>
+              </a:tabLst>
+              <a:defRPr b="0" lang="ru-RU" sz="1400" strike="noStrike" u="none">
+                <a:solidFill>
+                  <a:srgbClr val="ffffff"/>
+                </a:solidFill>
+                <a:uFillTx/>
+                <a:latin typeface="Arial"/>
+              </a:defRPr>
+            </a:lvl1pPr>
+          </a:lstStyle>
           <a:p>
             <a:pPr indent="0" algn="ctr">
+              <a:lnSpc>
+                <a:spcPct val="100000"/>
+              </a:lnSpc>
               <a:buNone/>
-            </a:pPr>
-            <a:r>
-              <a:rPr b="0" lang="ru-RU" sz="3300" strike="noStrike" u="none">
-                <a:solidFill>
-                  <a:srgbClr val="000000"/>
-                </a:solidFill>
-                <a:uFillTx/>
-                <a:latin typeface="Arial"/>
-              </a:rPr>
-              <a:t>Для правки текста заглавия щёлкните мышью</a:t>
-            </a:r>
-            <a:endParaRPr b="0" lang="ru-RU" sz="3300" strike="noStrike" u="none">
-              <a:solidFill>
-                <a:srgbClr val="000000"/>
-              </a:solidFill>
-              <a:uFillTx/>
-              <a:latin typeface="Arial"/>
-            </a:endParaRPr>
-          </a:p>
-        </p:txBody>
-      </p:sp>
-      <p:sp>
-        <p:nvSpPr>
-          <p:cNvPr id="11" name="PlaceHolder 2"/>
-          <p:cNvSpPr>
-            <a:spLocks noGrp="1"/>
-          </p:cNvSpPr>
-          <p:nvPr>
-            <p:ph type="body"/>
-          </p:nvPr>
-        </p:nvSpPr>
-        <p:spPr>
-          <a:xfrm>
-            <a:off x="504000" y="1326600"/>
-            <a:ext cx="9071640" cy="3288240"/>
+              <a:tabLst>
+                <a:tab algn="l" pos="0"/>
+              </a:tabLst>
+            </a:pPr>
+            <a:r>
+              <a:rPr b="0" lang="ru-RU" sz="1400" strike="noStrike" u="none">
+                <a:solidFill>
+                  <a:srgbClr val="ffffff"/>
+                </a:solidFill>
+                <a:uFillTx/>
+                <a:latin typeface="Arial"/>
+              </a:rPr>
+              <a:t>&lt;нижний колонтитул&gt;</a:t>
+            </a:r>
+            <a:endParaRPr b="0" lang="ru-RU" sz="1400" strike="noStrike" u="none">
+              <a:solidFill>
+                <a:srgbClr val="ffffff"/>
+              </a:solidFill>
+              <a:uFillTx/>
+              <a:latin typeface="Times New Roman"/>
+            </a:endParaRPr>
+          </a:p>
+        </p:txBody>
+      </p:sp>
+      <p:sp>
+        <p:nvSpPr>
+          <p:cNvPr id="10" name="PlaceHolder 2"/>
+          <p:cNvSpPr>
+            <a:spLocks noGrp="1"/>
+          </p:cNvSpPr>
+          <p:nvPr>
+            <p:ph type="sldNum" idx="5"/>
+          </p:nvPr>
+        </p:nvSpPr>
+        <p:spPr>
+          <a:xfrm>
+            <a:off x="7227360" y="5164920"/>
+            <a:ext cx="2347920" cy="390240"/>
           </a:xfrm>
           <a:prstGeom prst="rect">
             <a:avLst/>
@@ -1246,234 +1315,70 @@
         </p:spPr>
         <p:txBody>
           <a:bodyPr lIns="0" rIns="0" tIns="0" bIns="0" anchor="t">
-            <a:normAutofit/>
+            <a:noAutofit/>
           </a:bodyPr>
-          <a:p>
-            <a:pPr marL="432000" indent="-324000">
-              <a:spcBef>
-                <a:spcPts val="1060"/>
-              </a:spcBef>
-              <a:buClr>
-                <a:srgbClr val="000000"/>
-              </a:buClr>
-              <a:buSzPct val="45000"/>
-              <a:buFont typeface="Wingdings" charset="2"/>
-              <a:buChar char=""/>
-            </a:pPr>
-            <a:r>
-              <a:rPr b="0" lang="ru-RU" sz="2400" strike="noStrike" u="none">
-                <a:solidFill>
-                  <a:srgbClr val="000000"/>
-                </a:solidFill>
-                <a:uFillTx/>
-                <a:latin typeface="Arial"/>
-              </a:rPr>
-              <a:t>Для правки структуры щёлкните мышью</a:t>
-            </a:r>
-            <a:endParaRPr b="0" lang="ru-RU" sz="2400" strike="noStrike" u="none">
-              <a:solidFill>
-                <a:srgbClr val="000000"/>
-              </a:solidFill>
-              <a:uFillTx/>
-              <a:latin typeface="Arial"/>
-            </a:endParaRPr>
-          </a:p>
-          <a:p>
-            <a:pPr lvl="1" marL="864000" indent="-324000">
-              <a:spcBef>
-                <a:spcPts val="850"/>
-              </a:spcBef>
-              <a:buClr>
-                <a:srgbClr val="000000"/>
-              </a:buClr>
-              <a:buSzPct val="75000"/>
-              <a:buFont typeface="Symbol" charset="2"/>
-              <a:buChar char=""/>
-            </a:pPr>
-            <a:r>
-              <a:rPr b="0" lang="ru-RU" sz="2100" strike="noStrike" u="none">
-                <a:solidFill>
-                  <a:srgbClr val="000000"/>
-                </a:solidFill>
-                <a:uFillTx/>
-                <a:latin typeface="Arial"/>
-              </a:rPr>
-              <a:t>Второй уровень структуры</a:t>
-            </a:r>
-            <a:endParaRPr b="0" lang="ru-RU" sz="2100" strike="noStrike" u="none">
-              <a:solidFill>
-                <a:srgbClr val="000000"/>
-              </a:solidFill>
-              <a:uFillTx/>
-              <a:latin typeface="Arial"/>
-            </a:endParaRPr>
-          </a:p>
-          <a:p>
-            <a:pPr lvl="2" marL="1296000" indent="-288000">
-              <a:spcBef>
-                <a:spcPts val="638"/>
-              </a:spcBef>
-              <a:buClr>
-                <a:srgbClr val="000000"/>
-              </a:buClr>
-              <a:buSzPct val="45000"/>
-              <a:buFont typeface="Wingdings" charset="2"/>
-              <a:buChar char=""/>
-            </a:pPr>
-            <a:r>
-              <a:rPr b="0" lang="ru-RU" sz="1800" strike="noStrike" u="none">
-                <a:solidFill>
-                  <a:srgbClr val="000000"/>
-                </a:solidFill>
-                <a:uFillTx/>
-                <a:latin typeface="Arial"/>
-              </a:rPr>
-              <a:t>Третий уровень структуры</a:t>
-            </a:r>
-            <a:endParaRPr b="0" lang="ru-RU" sz="1800" strike="noStrike" u="none">
-              <a:solidFill>
-                <a:srgbClr val="000000"/>
-              </a:solidFill>
-              <a:uFillTx/>
-              <a:latin typeface="Arial"/>
-            </a:endParaRPr>
-          </a:p>
-          <a:p>
-            <a:pPr lvl="3" marL="1728000" indent="-216000">
-              <a:spcBef>
-                <a:spcPts val="425"/>
-              </a:spcBef>
-              <a:buClr>
-                <a:srgbClr val="000000"/>
-              </a:buClr>
-              <a:buSzPct val="75000"/>
-              <a:buFont typeface="Symbol" charset="2"/>
-              <a:buChar char=""/>
-            </a:pPr>
-            <a:r>
-              <a:rPr b="0" lang="ru-RU" sz="1500" strike="noStrike" u="none">
-                <a:solidFill>
-                  <a:srgbClr val="000000"/>
-                </a:solidFill>
-                <a:uFillTx/>
-                <a:latin typeface="Arial"/>
-              </a:rPr>
-              <a:t>Четвёртый уровень структуры</a:t>
-            </a:r>
-            <a:endParaRPr b="0" lang="ru-RU" sz="1500" strike="noStrike" u="none">
-              <a:solidFill>
-                <a:srgbClr val="000000"/>
-              </a:solidFill>
-              <a:uFillTx/>
-              <a:latin typeface="Arial"/>
-            </a:endParaRPr>
-          </a:p>
-          <a:p>
-            <a:pPr lvl="4" marL="2160000" indent="-216000">
-              <a:spcBef>
-                <a:spcPts val="213"/>
-              </a:spcBef>
-              <a:buClr>
-                <a:srgbClr val="000000"/>
-              </a:buClr>
-              <a:buSzPct val="45000"/>
-              <a:buFont typeface="Wingdings" charset="2"/>
-              <a:buChar char=""/>
-            </a:pPr>
-            <a:r>
-              <a:rPr b="0" lang="ru-RU" sz="1500" strike="noStrike" u="none">
-                <a:solidFill>
-                  <a:srgbClr val="000000"/>
-                </a:solidFill>
-                <a:uFillTx/>
-                <a:latin typeface="Arial"/>
-              </a:rPr>
-              <a:t>Пятый уровень структуры</a:t>
-            </a:r>
-            <a:endParaRPr b="0" lang="ru-RU" sz="1500" strike="noStrike" u="none">
-              <a:solidFill>
-                <a:srgbClr val="000000"/>
-              </a:solidFill>
-              <a:uFillTx/>
-              <a:latin typeface="Arial"/>
-            </a:endParaRPr>
-          </a:p>
-          <a:p>
-            <a:pPr lvl="5" marL="2592000" indent="-216000">
-              <a:spcBef>
-                <a:spcPts val="213"/>
-              </a:spcBef>
-              <a:buClr>
-                <a:srgbClr val="000000"/>
-              </a:buClr>
-              <a:buSzPct val="45000"/>
-              <a:buFont typeface="Wingdings" charset="2"/>
-              <a:buChar char=""/>
-            </a:pPr>
-            <a:r>
-              <a:rPr b="0" lang="ru-RU" sz="1500" strike="noStrike" u="none">
-                <a:solidFill>
-                  <a:srgbClr val="000000"/>
-                </a:solidFill>
-                <a:uFillTx/>
-                <a:latin typeface="Arial"/>
-              </a:rPr>
-              <a:t>Шестой уровень структуры</a:t>
-            </a:r>
-            <a:endParaRPr b="0" lang="ru-RU" sz="1500" strike="noStrike" u="none">
-              <a:solidFill>
-                <a:srgbClr val="000000"/>
-              </a:solidFill>
-              <a:uFillTx/>
-              <a:latin typeface="Arial"/>
-            </a:endParaRPr>
-          </a:p>
-          <a:p>
-            <a:pPr lvl="6" marL="3024000" indent="-216000">
-              <a:spcBef>
-                <a:spcPts val="213"/>
-              </a:spcBef>
-              <a:buClr>
-                <a:srgbClr val="000000"/>
-              </a:buClr>
-              <a:buSzPct val="45000"/>
-              <a:buFont typeface="Wingdings" charset="2"/>
-              <a:buChar char=""/>
-            </a:pPr>
-            <a:r>
-              <a:rPr b="0" lang="ru-RU" sz="1500" strike="noStrike" u="none">
-                <a:solidFill>
-                  <a:srgbClr val="000000"/>
-                </a:solidFill>
-                <a:uFillTx/>
-                <a:latin typeface="Arial"/>
-              </a:rPr>
-              <a:t>Седьмой уровень структуры</a:t>
-            </a:r>
-            <a:endParaRPr b="0" lang="ru-RU" sz="1500" strike="noStrike" u="none">
-              <a:solidFill>
-                <a:srgbClr val="000000"/>
-              </a:solidFill>
-              <a:uFillTx/>
-              <a:latin typeface="Arial"/>
-            </a:endParaRPr>
-          </a:p>
-        </p:txBody>
-      </p:sp>
-      <p:sp>
-        <p:nvSpPr>
-          <p:cNvPr id="12" name="PlaceHolder 3"/>
-          <p:cNvSpPr>
-            <a:spLocks noGrp="1"/>
-          </p:cNvSpPr>
-          <p:nvPr>
-            <p:ph type="dt" idx="4"/>
-          </p:nvPr>
-        </p:nvSpPr>
-        <p:spPr>
-          <a:xfrm>
-            <a:off x="504000" y="5165280"/>
-            <a:ext cx="2348280" cy="390960"/>
+          <a:lstStyle>
+            <a:lvl1pPr indent="0" algn="r">
+              <a:lnSpc>
+                <a:spcPct val="100000"/>
+              </a:lnSpc>
+              <a:buNone/>
+              <a:tabLst>
+                <a:tab algn="l" pos="0"/>
+              </a:tabLst>
+              <a:defRPr b="0" lang="ru-RU" sz="1400" strike="noStrike" u="none">
+                <a:solidFill>
+                  <a:srgbClr val="ffffff"/>
+                </a:solidFill>
+                <a:uFillTx/>
+                <a:latin typeface="Arial"/>
+              </a:defRPr>
+            </a:lvl1pPr>
+          </a:lstStyle>
+          <a:p>
+            <a:pPr indent="0" algn="r">
+              <a:lnSpc>
+                <a:spcPct val="100000"/>
+              </a:lnSpc>
+              <a:buNone/>
+              <a:tabLst>
+                <a:tab algn="l" pos="0"/>
+              </a:tabLst>
+            </a:pPr>
+            <a:fld id="{72A36665-07EE-43E7-A079-E75971548A43}" type="slidenum">
+              <a:rPr b="0" lang="ru-RU" sz="1400" strike="noStrike" u="none">
+                <a:solidFill>
+                  <a:srgbClr val="ffffff"/>
+                </a:solidFill>
+                <a:uFillTx/>
+                <a:latin typeface="Arial"/>
+              </a:rPr>
+              <a:t>&lt;номер&gt;</a:t>
+            </a:fld>
+            <a:endParaRPr b="0" lang="ru-RU" sz="1400" strike="noStrike" u="none">
+              <a:solidFill>
+                <a:srgbClr val="ffffff"/>
+              </a:solidFill>
+              <a:uFillTx/>
+              <a:latin typeface="Times New Roman"/>
+            </a:endParaRPr>
+          </a:p>
+        </p:txBody>
+      </p:sp>
+      <p:sp>
+        <p:nvSpPr>
+          <p:cNvPr id="11" name="PlaceHolder 3"/>
+          <p:cNvSpPr>
+            <a:spLocks noGrp="1"/>
+          </p:cNvSpPr>
+          <p:nvPr>
+            <p:ph type="dt" idx="6"/>
+          </p:nvPr>
+        </p:nvSpPr>
+        <p:spPr>
+          <a:xfrm>
+            <a:off x="504000" y="5164920"/>
+            <a:ext cx="2347920" cy="390240"/>
           </a:xfrm>
           <a:prstGeom prst="rect">
             <a:avLst/>
@@ -1492,10 +1397,10 @@
               <a:buNone/>
               <a:defRPr b="0" lang="ru-RU" sz="1400" strike="noStrike" u="none">
                 <a:solidFill>
-                  <a:srgbClr val="000000"/>
-                </a:solidFill>
-                <a:uFillTx/>
-                <a:latin typeface="Arial"/>
+                  <a:srgbClr val="ffffff"/>
+                </a:solidFill>
+                <a:uFillTx/>
+                <a:latin typeface="Times New Roman"/>
               </a:defRPr>
             </a:lvl1pPr>
           </a:lstStyle>
@@ -1506,37 +1411,37 @@
             <a:r>
               <a:rPr b="0" lang="ru-RU" sz="1400" strike="noStrike" u="none">
                 <a:solidFill>
-                  <a:srgbClr val="000000"/>
-                </a:solidFill>
-                <a:uFillTx/>
-                <a:latin typeface="Arial"/>
+                  <a:srgbClr val="ffffff"/>
+                </a:solidFill>
+                <a:uFillTx/>
+                <a:latin typeface="Times New Roman"/>
               </a:rPr>
               <a:t>&lt;дата/время&gt;</a:t>
             </a:r>
             <a:endParaRPr b="0" lang="ru-RU" sz="1400" strike="noStrike" u="none">
               <a:solidFill>
-                <a:srgbClr val="000000"/>
-              </a:solidFill>
-              <a:uFillTx/>
-              <a:latin typeface="Arial"/>
-            </a:endParaRPr>
-          </a:p>
-        </p:txBody>
-      </p:sp>
-      <p:sp>
-        <p:nvSpPr>
-          <p:cNvPr id="13" name="PlaceHolder 4"/>
-          <p:cNvSpPr>
-            <a:spLocks noGrp="1"/>
-          </p:cNvSpPr>
-          <p:nvPr>
-            <p:ph type="ftr" idx="5"/>
-          </p:nvPr>
-        </p:nvSpPr>
-        <p:spPr>
-          <a:xfrm>
-            <a:off x="3447360" y="5165280"/>
-            <a:ext cx="3195000" cy="390960"/>
+                <a:srgbClr val="ffffff"/>
+              </a:solidFill>
+              <a:uFillTx/>
+              <a:latin typeface="Times New Roman"/>
+            </a:endParaRPr>
+          </a:p>
+        </p:txBody>
+      </p:sp>
+      <p:sp>
+        <p:nvSpPr>
+          <p:cNvPr id="12" name="PlaceHolder 4"/>
+          <p:cNvSpPr>
+            <a:spLocks noGrp="1"/>
+          </p:cNvSpPr>
+          <p:nvPr>
+            <p:ph type="title"/>
+          </p:nvPr>
+        </p:nvSpPr>
+        <p:spPr>
+          <a:xfrm>
+            <a:off x="504000" y="226080"/>
+            <a:ext cx="9072000" cy="946440"/>
           </a:xfrm>
           <a:prstGeom prst="rect">
             <a:avLst/>
@@ -1547,59 +1452,47 @@
           </a:ln>
         </p:spPr>
         <p:txBody>
-          <a:bodyPr lIns="0" rIns="0" tIns="0" bIns="0" anchor="t">
+          <a:bodyPr lIns="0" rIns="0" tIns="0" bIns="0" anchor="ctr">
             <a:noAutofit/>
           </a:bodyPr>
-          <a:lstStyle>
-            <a:lvl1pPr indent="0" algn="ctr">
-              <a:buNone/>
-              <a:defRPr b="0" lang="ru-RU" sz="1400" strike="noStrike" u="none">
-                <a:solidFill>
-                  <a:srgbClr val="000000"/>
-                </a:solidFill>
-                <a:uFillTx/>
-                <a:latin typeface="Arial"/>
-              </a:defRPr>
-            </a:lvl1pPr>
-          </a:lstStyle>
           <a:p>
             <a:pPr indent="0" algn="ctr">
               <a:buNone/>
             </a:pPr>
             <a:r>
-              <a:rPr b="0" lang="ru-RU" sz="1400" strike="noStrike" u="none">
-                <a:solidFill>
-                  <a:srgbClr val="000000"/>
-                </a:solidFill>
-                <a:uFillTx/>
-                <a:latin typeface="Arial"/>
-              </a:rPr>
-              <a:t>&lt;нижний колонтитул&gt;</a:t>
-            </a:r>
-            <a:endParaRPr b="0" lang="ru-RU" sz="1400" strike="noStrike" u="none">
-              <a:solidFill>
-                <a:srgbClr val="000000"/>
-              </a:solidFill>
-              <a:uFillTx/>
-              <a:latin typeface="Arial"/>
-            </a:endParaRPr>
-          </a:p>
-        </p:txBody>
-      </p:sp>
-      <p:sp>
-        <p:nvSpPr>
-          <p:cNvPr id="14" name="PlaceHolder 5"/>
-          <p:cNvSpPr>
-            <a:spLocks noGrp="1"/>
-          </p:cNvSpPr>
-          <p:nvPr>
-            <p:ph type="sldNum" idx="6"/>
-          </p:nvPr>
-        </p:nvSpPr>
-        <p:spPr>
-          <a:xfrm>
-            <a:off x="7227360" y="5165280"/>
-            <a:ext cx="2348280" cy="390960"/>
+              <a:rPr b="0" lang="ru-RU" sz="4400" strike="noStrike" u="none">
+                <a:solidFill>
+                  <a:srgbClr val="ffffff"/>
+                </a:solidFill>
+                <a:uFillTx/>
+                <a:latin typeface="Arial"/>
+              </a:rPr>
+              <a:t>Для правки текста заглавия щёлкните мышью</a:t>
+            </a:r>
+            <a:endParaRPr b="0" lang="ru-RU" sz="4400" strike="noStrike" u="none">
+              <a:solidFill>
+                <a:srgbClr val="ffffff"/>
+              </a:solidFill>
+              <a:uFillTx/>
+              <a:latin typeface="Arial"/>
+            </a:endParaRPr>
+          </a:p>
+        </p:txBody>
+      </p:sp>
+      <p:sp>
+        <p:nvSpPr>
+          <p:cNvPr id="13" name="PlaceHolder 5"/>
+          <p:cNvSpPr>
+            <a:spLocks noGrp="1"/>
+          </p:cNvSpPr>
+          <p:nvPr>
+            <p:ph type="body"/>
+          </p:nvPr>
+        </p:nvSpPr>
+        <p:spPr>
+          <a:xfrm>
+            <a:off x="504000" y="1326600"/>
+            <a:ext cx="9072000" cy="3288600"/>
           </a:xfrm>
           <a:prstGeom prst="rect">
             <a:avLst/>
@@ -1611,37 +1504,213 @@
         </p:spPr>
         <p:txBody>
           <a:bodyPr lIns="0" rIns="0" tIns="0" bIns="0" anchor="t">
-            <a:noAutofit/>
+            <a:normAutofit/>
           </a:bodyPr>
-          <a:lstStyle>
-            <a:lvl1pPr indent="0" algn="r">
-              <a:buNone/>
-              <a:defRPr b="0" lang="ru-RU" sz="1400" strike="noStrike" u="none">
-                <a:solidFill>
-                  <a:srgbClr val="000000"/>
-                </a:solidFill>
-                <a:uFillTx/>
-                <a:latin typeface="Arial"/>
-              </a:defRPr>
-            </a:lvl1pPr>
-          </a:lstStyle>
-          <a:p>
-            <a:pPr indent="0" algn="r">
-              <a:buNone/>
-            </a:pPr>
-            <a:fld id="{B9ABB3C0-7810-4938-AA1E-210E3121945F}" type="slidenum">
-              <a:rPr b="0" lang="ru-RU" sz="1400" strike="noStrike" u="none">
-                <a:solidFill>
-                  <a:srgbClr val="000000"/>
-                </a:solidFill>
-                <a:uFillTx/>
-                <a:latin typeface="Arial"/>
-              </a:rPr>
-              <a:t>&lt;номер&gt;</a:t>
-            </a:fld>
-            <a:endParaRPr b="0" lang="ru-RU" sz="1400" strike="noStrike" u="none">
-              <a:solidFill>
-                <a:srgbClr val="000000"/>
+          <a:p>
+            <a:pPr marL="432000" indent="-324000">
+              <a:spcBef>
+                <a:spcPts val="1417"/>
+              </a:spcBef>
+              <a:buClr>
+                <a:srgbClr val="ffffff"/>
+              </a:buClr>
+              <a:buSzPct val="45000"/>
+              <a:buFont typeface="Wingdings" charset="2"/>
+              <a:buChar char=""/>
+            </a:pPr>
+            <a:r>
+              <a:rPr b="0" lang="ru-RU" sz="3200" strike="noStrike" u="none">
+                <a:solidFill>
+                  <a:srgbClr val="ffffff"/>
+                </a:solidFill>
+                <a:uFillTx/>
+                <a:latin typeface="Arial"/>
+              </a:rPr>
+              <a:t>Для правки структуры щёлкните мышью</a:t>
+            </a:r>
+            <a:endParaRPr b="0" lang="ru-RU" sz="3200" strike="noStrike" u="none">
+              <a:solidFill>
+                <a:srgbClr val="ffffff"/>
+              </a:solidFill>
+              <a:uFillTx/>
+              <a:latin typeface="Arial"/>
+            </a:endParaRPr>
+          </a:p>
+          <a:p>
+            <a:pPr lvl="1" marL="864000" indent="-324000">
+              <a:spcBef>
+                <a:spcPts val="1134"/>
+              </a:spcBef>
+              <a:buClr>
+                <a:srgbClr val="ffffff"/>
+              </a:buClr>
+              <a:buSzPct val="75000"/>
+              <a:buFont typeface="Symbol" charset="2"/>
+              <a:buChar char=""/>
+            </a:pPr>
+            <a:r>
+              <a:rPr b="0" lang="ru-RU" sz="2800" strike="noStrike" u="none">
+                <a:solidFill>
+                  <a:srgbClr val="ffffff"/>
+                </a:solidFill>
+                <a:uFillTx/>
+                <a:latin typeface="Arial"/>
+              </a:rPr>
+              <a:t>Второй уровень структуры</a:t>
+            </a:r>
+            <a:endParaRPr b="0" lang="ru-RU" sz="2800" strike="noStrike" u="none">
+              <a:solidFill>
+                <a:srgbClr val="ffffff"/>
+              </a:solidFill>
+              <a:uFillTx/>
+              <a:latin typeface="Arial"/>
+            </a:endParaRPr>
+          </a:p>
+          <a:p>
+            <a:pPr lvl="2" marL="1296000" indent="-288000">
+              <a:spcBef>
+                <a:spcPts val="850"/>
+              </a:spcBef>
+              <a:buClr>
+                <a:srgbClr val="ffffff"/>
+              </a:buClr>
+              <a:buSzPct val="45000"/>
+              <a:buFont typeface="Wingdings" charset="2"/>
+              <a:buChar char=""/>
+            </a:pPr>
+            <a:r>
+              <a:rPr b="0" lang="ru-RU" sz="2400" strike="noStrike" u="none">
+                <a:solidFill>
+                  <a:srgbClr val="ffffff"/>
+                </a:solidFill>
+                <a:uFillTx/>
+                <a:latin typeface="Arial"/>
+              </a:rPr>
+              <a:t>Третий уровень структуры</a:t>
+            </a:r>
+            <a:endParaRPr b="0" lang="ru-RU" sz="2400" strike="noStrike" u="none">
+              <a:solidFill>
+                <a:srgbClr val="ffffff"/>
+              </a:solidFill>
+              <a:uFillTx/>
+              <a:latin typeface="Arial"/>
+            </a:endParaRPr>
+          </a:p>
+          <a:p>
+            <a:pPr lvl="3" marL="1728000" indent="-216000">
+              <a:spcBef>
+                <a:spcPts val="567"/>
+              </a:spcBef>
+              <a:buClr>
+                <a:srgbClr val="ffffff"/>
+              </a:buClr>
+              <a:buSzPct val="75000"/>
+              <a:buFont typeface="Symbol" charset="2"/>
+              <a:buChar char=""/>
+            </a:pPr>
+            <a:r>
+              <a:rPr b="0" lang="ru-RU" sz="2000" strike="noStrike" u="none">
+                <a:solidFill>
+                  <a:srgbClr val="ffffff"/>
+                </a:solidFill>
+                <a:uFillTx/>
+                <a:latin typeface="Arial"/>
+              </a:rPr>
+              <a:t>Четвёртый уровень структуры</a:t>
+            </a:r>
+            <a:endParaRPr b="0" lang="ru-RU" sz="2000" strike="noStrike" u="none">
+              <a:solidFill>
+                <a:srgbClr val="ffffff"/>
+              </a:solidFill>
+              <a:uFillTx/>
+              <a:latin typeface="Arial"/>
+            </a:endParaRPr>
+          </a:p>
+          <a:p>
+            <a:pPr lvl="4" marL="2160000" indent="-216000">
+              <a:spcBef>
+                <a:spcPts val="283"/>
+              </a:spcBef>
+              <a:buClr>
+                <a:srgbClr val="ffffff"/>
+              </a:buClr>
+              <a:buSzPct val="45000"/>
+              <a:buFont typeface="Wingdings" charset="2"/>
+              <a:buChar char=""/>
+            </a:pPr>
+            <a:r>
+              <a:rPr b="0" lang="ru-RU" sz="2000" strike="noStrike" u="none">
+                <a:solidFill>
+                  <a:srgbClr val="ffffff"/>
+                </a:solidFill>
+                <a:uFillTx/>
+                <a:latin typeface="Arial"/>
+              </a:rPr>
+              <a:t>Пятый уровень структуры</a:t>
+            </a:r>
+            <a:endParaRPr b="0" lang="ru-RU" sz="2000" strike="noStrike" u="none">
+              <a:solidFill>
+                <a:srgbClr val="ffffff"/>
+              </a:solidFill>
+              <a:uFillTx/>
+              <a:latin typeface="Arial"/>
+            </a:endParaRPr>
+          </a:p>
+          <a:p>
+            <a:pPr lvl="5" marL="2592000" indent="-216000">
+              <a:spcBef>
+                <a:spcPts val="283"/>
+              </a:spcBef>
+              <a:buClr>
+                <a:srgbClr val="ffffff"/>
+              </a:buClr>
+              <a:buSzPct val="45000"/>
+              <a:buFont typeface="Wingdings" charset="2"/>
+              <a:buChar char=""/>
+            </a:pPr>
+            <a:r>
+              <a:rPr b="0" lang="ru-RU" sz="2000" strike="noStrike" u="none">
+                <a:solidFill>
+                  <a:srgbClr val="ffffff"/>
+                </a:solidFill>
+                <a:uFillTx/>
+                <a:latin typeface="Arial"/>
+              </a:rPr>
+              <a:t>Шестой уровень структуры</a:t>
+            </a:r>
+            <a:endParaRPr b="0" lang="ru-RU" sz="2000" strike="noStrike" u="none">
+              <a:solidFill>
+                <a:srgbClr val="ffffff"/>
+              </a:solidFill>
+              <a:uFillTx/>
+              <a:latin typeface="Arial"/>
+            </a:endParaRPr>
+          </a:p>
+          <a:p>
+            <a:pPr lvl="6" marL="3024000" indent="-216000">
+              <a:spcBef>
+                <a:spcPts val="283"/>
+              </a:spcBef>
+              <a:buClr>
+                <a:srgbClr val="ffffff"/>
+              </a:buClr>
+              <a:buSzPct val="45000"/>
+              <a:buFont typeface="Wingdings" charset="2"/>
+              <a:buChar char=""/>
+            </a:pPr>
+            <a:r>
+              <a:rPr b="0" lang="ru-RU" sz="2000" strike="noStrike" u="none">
+                <a:solidFill>
+                  <a:srgbClr val="ffffff"/>
+                </a:solidFill>
+                <a:uFillTx/>
+                <a:latin typeface="Arial"/>
+              </a:rPr>
+              <a:t>Седьмой уровень структуры</a:t>
+            </a:r>
+            <a:endParaRPr b="0" lang="ru-RU" sz="2000" strike="noStrike" u="none">
+              <a:solidFill>
+                <a:srgbClr val="ffffff"/>
               </a:solidFill>
               <a:uFillTx/>
               <a:latin typeface="Arial"/>
@@ -1653,7 +1722,7 @@
   </p:cSld>
   <p:clrMap bg1="lt1" tx1="dk1" bg2="lt2" tx2="dk2" accent1="accent1" accent2="accent2" accent3="accent3" accent4="accent4" accent5="accent5" accent6="accent6" hlink="hlink" folHlink="folHlink"/>
   <p:sldLayoutIdLst>
-    <p:sldLayoutId id="2147483653" r:id="rId3"/>
+    <p:sldLayoutId id="2147483651" r:id="rId4"/>
   </p:sldLayoutIdLst>
 </p:sldMaster>
 </file>
@@ -1683,9 +1752,32 @@
           <a:chExt cx="0" cy="0"/>
         </a:xfrm>
       </p:grpSpPr>
-      <p:sp>
-        <p:nvSpPr>
-          <p:cNvPr id="17" name="PlaceHolder 1"/>
+      <p:pic>
+        <p:nvPicPr>
+          <p:cNvPr id="14" name="" descr=""/>
+          <p:cNvPicPr/>
+          <p:nvPr/>
+        </p:nvPicPr>
+        <p:blipFill>
+          <a:blip r:embed="rId3"/>
+          <a:stretch/>
+        </p:blipFill>
+        <p:spPr>
+          <a:xfrm>
+            <a:off x="0" y="0"/>
+            <a:ext cx="10079640" cy="5669640"/>
+          </a:xfrm>
+          <a:prstGeom prst="rect">
+            <a:avLst/>
+          </a:prstGeom>
+          <a:ln w="18000">
+            <a:noFill/>
+          </a:ln>
+        </p:spPr>
+      </p:pic>
+      <p:sp>
+        <p:nvSpPr>
+          <p:cNvPr id="15" name="PlaceHolder 1"/>
           <p:cNvSpPr>
             <a:spLocks noGrp="1"/>
           </p:cNvSpPr>
@@ -1696,7 +1788,7 @@
         <p:spPr>
           <a:xfrm>
             <a:off x="504000" y="810000"/>
-            <a:ext cx="9071640" cy="1296000"/>
+            <a:ext cx="9071280" cy="1295640"/>
           </a:xfrm>
           <a:prstGeom prst="rect">
             <a:avLst/>
@@ -1711,11 +1803,11 @@
             <a:noAutofit/>
           </a:bodyPr>
           <a:p>
-            <a:pPr indent="0" algn="ctr">
+            <a:pPr indent="0">
               <a:buNone/>
             </a:pPr>
             <a:r>
-              <a:rPr b="0" lang="ru-RU" sz="4400" strike="noStrike" u="none">
+              <a:rPr b="0" lang="ru-RU" sz="1800" strike="noStrike" u="none">
                 <a:solidFill>
                   <a:srgbClr val="ffffff"/>
                 </a:solidFill>
@@ -1724,19 +1816,19 @@
               </a:rPr>
               <a:t>Для правки текста заглавия щёлкните мышью</a:t>
             </a:r>
-            <a:endParaRPr b="0" lang="ru-RU" sz="4400" strike="noStrike" u="none">
-              <a:solidFill>
-                <a:srgbClr val="ffffff"/>
-              </a:solidFill>
-              <a:uFillTx/>
-              <a:latin typeface="Arial"/>
-            </a:endParaRPr>
-          </a:p>
-        </p:txBody>
-      </p:sp>
-      <p:sp>
-        <p:nvSpPr>
-          <p:cNvPr id="18" name="PlaceHolder 2"/>
+            <a:endParaRPr b="0" lang="ru-RU" sz="1800" strike="noStrike" u="none">
+              <a:solidFill>
+                <a:srgbClr val="ffffff"/>
+              </a:solidFill>
+              <a:uFillTx/>
+              <a:latin typeface="Arial"/>
+            </a:endParaRPr>
+          </a:p>
+        </p:txBody>
+      </p:sp>
+      <p:sp>
+        <p:nvSpPr>
+          <p:cNvPr id="16" name="PlaceHolder 2"/>
           <p:cNvSpPr>
             <a:spLocks noGrp="1"/>
           </p:cNvSpPr>
@@ -1747,7 +1839,7 @@
         <p:spPr>
           <a:xfrm>
             <a:off x="504000" y="2376000"/>
-            <a:ext cx="9071640" cy="2754000"/>
+            <a:ext cx="9071280" cy="2753640"/>
           </a:xfrm>
           <a:prstGeom prst="rect">
             <a:avLst/>
@@ -1764,7 +1856,7 @@
           <a:p>
             <a:pPr marL="432000" indent="-324000">
               <a:spcBef>
-                <a:spcPts val="1414"/>
+                <a:spcPts val="1417"/>
               </a:spcBef>
               <a:buClr>
                 <a:srgbClr val="ffffff"/>
@@ -1774,7 +1866,7 @@
               <a:buChar char=""/>
             </a:pPr>
             <a:r>
-              <a:rPr b="0" lang="ru-RU" sz="3150" strike="noStrike" u="none">
+              <a:rPr b="0" lang="ru-RU" sz="1800" strike="noStrike" u="none">
                 <a:solidFill>
                   <a:srgbClr val="ffffff"/>
                 </a:solidFill>
@@ -1783,7 +1875,7 @@
               </a:rPr>
               <a:t>Для правки структуры щёлкните мышью</a:t>
             </a:r>
-            <a:endParaRPr b="0" lang="ru-RU" sz="3150" strike="noStrike" u="none">
+            <a:endParaRPr b="0" lang="ru-RU" sz="1800" strike="noStrike" u="none">
               <a:solidFill>
                 <a:srgbClr val="ffffff"/>
               </a:solidFill>
@@ -1804,7 +1896,7 @@
               <a:buChar char=""/>
             </a:pPr>
             <a:r>
-              <a:rPr b="0" lang="ru-RU" sz="2400" strike="noStrike" u="none">
+              <a:rPr b="0" lang="ru-RU" sz="1800" strike="noStrike" u="none">
                 <a:solidFill>
                   <a:srgbClr val="ffffff"/>
                 </a:solidFill>
@@ -1813,7 +1905,7 @@
               </a:rPr>
               <a:t>Второй уровень структуры</a:t>
             </a:r>
-            <a:endParaRPr b="0" lang="ru-RU" sz="2400" strike="noStrike" u="none">
+            <a:endParaRPr b="0" lang="ru-RU" sz="1800" strike="noStrike" u="none">
               <a:solidFill>
                 <a:srgbClr val="ffffff"/>
               </a:solidFill>
@@ -1864,7 +1956,7 @@
               <a:buChar char=""/>
             </a:pPr>
             <a:r>
-              <a:rPr b="0" lang="ru-RU" sz="1500" strike="noStrike" u="none">
+              <a:rPr b="0" lang="ru-RU" sz="1800" strike="noStrike" u="none">
                 <a:solidFill>
                   <a:srgbClr val="ffffff"/>
                 </a:solidFill>
@@ -1873,7 +1965,7 @@
               </a:rPr>
               <a:t>Четвёртый уровень структуры</a:t>
             </a:r>
-            <a:endParaRPr b="0" lang="ru-RU" sz="1500" strike="noStrike" u="none">
+            <a:endParaRPr b="0" lang="ru-RU" sz="1800" strike="noStrike" u="none">
               <a:solidFill>
                 <a:srgbClr val="ffffff"/>
               </a:solidFill>
@@ -1894,7 +1986,7 @@
               <a:buChar char=""/>
             </a:pPr>
             <a:r>
-              <a:rPr b="0" lang="ru-RU" sz="1500" strike="noStrike" u="none">
+              <a:rPr b="0" lang="ru-RU" sz="1800" strike="noStrike" u="none">
                 <a:solidFill>
                   <a:srgbClr val="ffffff"/>
                 </a:solidFill>
@@ -1903,7 +1995,7 @@
               </a:rPr>
               <a:t>Пятый уровень структуры</a:t>
             </a:r>
-            <a:endParaRPr b="0" lang="ru-RU" sz="1500" strike="noStrike" u="none">
+            <a:endParaRPr b="0" lang="ru-RU" sz="1800" strike="noStrike" u="none">
               <a:solidFill>
                 <a:srgbClr val="ffffff"/>
               </a:solidFill>
@@ -1924,7 +2016,7 @@
               <a:buChar char=""/>
             </a:pPr>
             <a:r>
-              <a:rPr b="0" lang="ru-RU" sz="1500" strike="noStrike" u="none">
+              <a:rPr b="0" lang="ru-RU" sz="1800" strike="noStrike" u="none">
                 <a:solidFill>
                   <a:srgbClr val="ffffff"/>
                 </a:solidFill>
@@ -1933,7 +2025,7 @@
               </a:rPr>
               <a:t>Шестой уровень структуры</a:t>
             </a:r>
-            <a:endParaRPr b="0" lang="ru-RU" sz="1500" strike="noStrike" u="none">
+            <a:endParaRPr b="0" lang="ru-RU" sz="1800" strike="noStrike" u="none">
               <a:solidFill>
                 <a:srgbClr val="ffffff"/>
               </a:solidFill>
@@ -1954,7 +2046,7 @@
               <a:buChar char=""/>
             </a:pPr>
             <a:r>
-              <a:rPr b="0" lang="ru-RU" sz="1500" strike="noStrike" u="none">
+              <a:rPr b="0" lang="ru-RU" sz="1800" strike="noStrike" u="none">
                 <a:solidFill>
                   <a:srgbClr val="ffffff"/>
                 </a:solidFill>
@@ -1963,30 +2055,180 @@
               </a:rPr>
               <a:t>Седьмой уровень структуры</a:t>
             </a:r>
-            <a:endParaRPr b="0" lang="ru-RU" sz="1500" strike="noStrike" u="none">
-              <a:solidFill>
-                <a:srgbClr val="ffffff"/>
-              </a:solidFill>
-              <a:uFillTx/>
-              <a:latin typeface="Arial"/>
-            </a:endParaRPr>
-          </a:p>
-        </p:txBody>
-      </p:sp>
-      <p:sp>
-        <p:nvSpPr>
-          <p:cNvPr id="19" name="PlaceHolder 3"/>
-          <p:cNvSpPr>
-            <a:spLocks noGrp="1"/>
-          </p:cNvSpPr>
-          <p:nvPr>
-            <p:ph type="dt" idx="7"/>
+            <a:endParaRPr b="0" lang="ru-RU" sz="1800" strike="noStrike" u="none">
+              <a:solidFill>
+                <a:srgbClr val="ffffff"/>
+              </a:solidFill>
+              <a:uFillTx/>
+              <a:latin typeface="Arial"/>
+            </a:endParaRPr>
+          </a:p>
+        </p:txBody>
+      </p:sp>
+      <p:sp>
+        <p:nvSpPr>
+          <p:cNvPr id="17" name="PlaceHolder 3"/>
+          <p:cNvSpPr>
+            <a:spLocks noGrp="1"/>
+          </p:cNvSpPr>
+          <p:nvPr>
+            <p:ph type="ftr" idx="7"/>
+          </p:nvPr>
+        </p:nvSpPr>
+        <p:spPr>
+          <a:xfrm>
+            <a:off x="3447360" y="5164920"/>
+            <a:ext cx="3194640" cy="390240"/>
+          </a:xfrm>
+          <a:prstGeom prst="rect">
+            <a:avLst/>
+          </a:prstGeom>
+          <a:noFill/>
+          <a:ln w="0">
+            <a:noFill/>
+          </a:ln>
+        </p:spPr>
+        <p:txBody>
+          <a:bodyPr lIns="0" rIns="0" tIns="0" bIns="0" anchor="t">
+            <a:noAutofit/>
+          </a:bodyPr>
+          <a:lstStyle>
+            <a:lvl1pPr indent="0" algn="ctr">
+              <a:lnSpc>
+                <a:spcPct val="100000"/>
+              </a:lnSpc>
+              <a:buNone/>
+              <a:tabLst>
+                <a:tab algn="l" pos="0"/>
+              </a:tabLst>
+              <a:defRPr b="0" lang="ru-RU" sz="1400" strike="noStrike" u="none">
+                <a:solidFill>
+                  <a:srgbClr val="ffffff"/>
+                </a:solidFill>
+                <a:uFillTx/>
+                <a:latin typeface="Arial"/>
+              </a:defRPr>
+            </a:lvl1pPr>
+          </a:lstStyle>
+          <a:p>
+            <a:pPr indent="0" algn="ctr">
+              <a:lnSpc>
+                <a:spcPct val="100000"/>
+              </a:lnSpc>
+              <a:buNone/>
+              <a:tabLst>
+                <a:tab algn="l" pos="0"/>
+              </a:tabLst>
+            </a:pPr>
+            <a:r>
+              <a:rPr b="0" lang="ru-RU" sz="1400" strike="noStrike" u="none">
+                <a:solidFill>
+                  <a:srgbClr val="ffffff"/>
+                </a:solidFill>
+                <a:uFillTx/>
+                <a:latin typeface="Arial"/>
+              </a:rPr>
+              <a:t>&lt;нижний колонтитул&gt;</a:t>
+            </a:r>
+            <a:endParaRPr b="0" lang="ru-RU" sz="1400" strike="noStrike" u="none">
+              <a:solidFill>
+                <a:srgbClr val="ffffff"/>
+              </a:solidFill>
+              <a:uFillTx/>
+              <a:latin typeface="Times New Roman"/>
+            </a:endParaRPr>
+          </a:p>
+        </p:txBody>
+      </p:sp>
+      <p:sp>
+        <p:nvSpPr>
+          <p:cNvPr id="18" name="PlaceHolder 4"/>
+          <p:cNvSpPr>
+            <a:spLocks noGrp="1"/>
+          </p:cNvSpPr>
+          <p:nvPr>
+            <p:ph type="sldNum" idx="8"/>
+          </p:nvPr>
+        </p:nvSpPr>
+        <p:spPr>
+          <a:xfrm>
+            <a:off x="7227360" y="5164920"/>
+            <a:ext cx="2347920" cy="390240"/>
+          </a:xfrm>
+          <a:prstGeom prst="rect">
+            <a:avLst/>
+          </a:prstGeom>
+          <a:noFill/>
+          <a:ln w="0">
+            <a:noFill/>
+          </a:ln>
+        </p:spPr>
+        <p:txBody>
+          <a:bodyPr lIns="0" rIns="0" tIns="0" bIns="0" anchor="t">
+            <a:noAutofit/>
+          </a:bodyPr>
+          <a:lstStyle>
+            <a:lvl1pPr indent="0" algn="r">
+              <a:lnSpc>
+                <a:spcPct val="100000"/>
+              </a:lnSpc>
+              <a:buNone/>
+              <a:tabLst>
+                <a:tab algn="l" pos="0"/>
+              </a:tabLst>
+              <a:defRPr b="0" lang="ru-RU" sz="1400" strike="noStrike" u="none">
+                <a:solidFill>
+                  <a:srgbClr val="ffffff"/>
+                </a:solidFill>
+                <a:uFillTx/>
+                <a:latin typeface="Arial"/>
+              </a:defRPr>
+            </a:lvl1pPr>
+          </a:lstStyle>
+          <a:p>
+            <a:pPr indent="0" algn="r">
+              <a:lnSpc>
+                <a:spcPct val="100000"/>
+              </a:lnSpc>
+              <a:buNone/>
+              <a:tabLst>
+                <a:tab algn="l" pos="0"/>
+              </a:tabLst>
+            </a:pPr>
+            <a:fld id="{DC6EC55B-9AE8-4217-93BF-D84D76F23EF8}" type="slidenum">
+              <a:rPr b="0" lang="ru-RU" sz="1400" strike="noStrike" u="none">
+                <a:solidFill>
+                  <a:srgbClr val="ffffff"/>
+                </a:solidFill>
+                <a:uFillTx/>
+                <a:latin typeface="Arial"/>
+              </a:rPr>
+              <a:t>&lt;номер&gt;</a:t>
+            </a:fld>
+            <a:endParaRPr b="0" lang="ru-RU" sz="1400" strike="noStrike" u="none">
+              <a:solidFill>
+                <a:srgbClr val="ffffff"/>
+              </a:solidFill>
+              <a:uFillTx/>
+              <a:latin typeface="Times New Roman"/>
+            </a:endParaRPr>
+          </a:p>
+        </p:txBody>
+      </p:sp>
+      <p:sp>
+        <p:nvSpPr>
+          <p:cNvPr id="19" name="PlaceHolder 5"/>
+          <p:cNvSpPr>
+            <a:spLocks noGrp="1"/>
+          </p:cNvSpPr>
+          <p:nvPr>
+            <p:ph type="dt" idx="9"/>
           </p:nvPr>
         </p:nvSpPr>
         <p:spPr>
           <a:xfrm>
             <a:off x="504000" y="5164920"/>
-            <a:ext cx="2348280" cy="390600"/>
+            <a:ext cx="2347920" cy="390240"/>
           </a:xfrm>
           <a:prstGeom prst="rect">
             <a:avLst/>
@@ -2008,7 +2250,7 @@
                   <a:srgbClr val="ffffff"/>
                 </a:solidFill>
                 <a:uFillTx/>
-                <a:latin typeface="Arial"/>
+                <a:latin typeface="Times New Roman"/>
               </a:defRPr>
             </a:lvl1pPr>
           </a:lstStyle>
@@ -2022,7 +2264,7 @@
                   <a:srgbClr val="ffffff"/>
                 </a:solidFill>
                 <a:uFillTx/>
-                <a:latin typeface="Arial"/>
+                <a:latin typeface="Times New Roman"/>
               </a:rPr>
               <a:t>&lt;дата/время&gt;</a:t>
             </a:r>
@@ -2031,133 +2273,7 @@
                 <a:srgbClr val="ffffff"/>
               </a:solidFill>
               <a:uFillTx/>
-              <a:latin typeface="Arial"/>
-            </a:endParaRPr>
-          </a:p>
-        </p:txBody>
-      </p:sp>
-      <p:sp>
-        <p:nvSpPr>
-          <p:cNvPr id="20" name="PlaceHolder 4"/>
-          <p:cNvSpPr>
-            <a:spLocks noGrp="1"/>
-          </p:cNvSpPr>
-          <p:nvPr>
-            <p:ph type="ftr" idx="8"/>
-          </p:nvPr>
-        </p:nvSpPr>
-        <p:spPr>
-          <a:xfrm>
-            <a:off x="3447360" y="5164920"/>
-            <a:ext cx="3195000" cy="390600"/>
-          </a:xfrm>
-          <a:prstGeom prst="rect">
-            <a:avLst/>
-          </a:prstGeom>
-          <a:noFill/>
-          <a:ln w="0">
-            <a:noFill/>
-          </a:ln>
-        </p:spPr>
-        <p:txBody>
-          <a:bodyPr lIns="0" rIns="0" tIns="0" bIns="0" anchor="t">
-            <a:noAutofit/>
-          </a:bodyPr>
-          <a:lstStyle>
-            <a:lvl1pPr indent="0" algn="ctr">
-              <a:buNone/>
-              <a:defRPr b="0" lang="ru-RU" sz="1400" strike="noStrike" u="none">
-                <a:solidFill>
-                  <a:srgbClr val="ffffff"/>
-                </a:solidFill>
-                <a:uFillTx/>
-                <a:latin typeface="Arial"/>
-              </a:defRPr>
-            </a:lvl1pPr>
-          </a:lstStyle>
-          <a:p>
-            <a:pPr indent="0" algn="ctr">
-              <a:buNone/>
-            </a:pPr>
-            <a:r>
-              <a:rPr b="0" lang="ru-RU" sz="1400" strike="noStrike" u="none">
-                <a:solidFill>
-                  <a:srgbClr val="ffffff"/>
-                </a:solidFill>
-                <a:uFillTx/>
-                <a:latin typeface="Arial"/>
-              </a:rPr>
-              <a:t>&lt;нижний колонтитул&gt;</a:t>
-            </a:r>
-            <a:endParaRPr b="0" lang="ru-RU" sz="1400" strike="noStrike" u="none">
-              <a:solidFill>
-                <a:srgbClr val="ffffff"/>
-              </a:solidFill>
-              <a:uFillTx/>
-              <a:latin typeface="Arial"/>
-            </a:endParaRPr>
-          </a:p>
-        </p:txBody>
-      </p:sp>
-      <p:sp>
-        <p:nvSpPr>
-          <p:cNvPr id="21" name="PlaceHolder 5"/>
-          <p:cNvSpPr>
-            <a:spLocks noGrp="1"/>
-          </p:cNvSpPr>
-          <p:nvPr>
-            <p:ph type="sldNum" idx="9"/>
-          </p:nvPr>
-        </p:nvSpPr>
-        <p:spPr>
-          <a:xfrm>
-            <a:off x="7227360" y="5164920"/>
-            <a:ext cx="2348280" cy="390600"/>
-          </a:xfrm>
-          <a:prstGeom prst="rect">
-            <a:avLst/>
-          </a:prstGeom>
-          <a:noFill/>
-          <a:ln w="0">
-            <a:noFill/>
-          </a:ln>
-        </p:spPr>
-        <p:txBody>
-          <a:bodyPr lIns="0" rIns="0" tIns="0" bIns="0" anchor="t">
-            <a:noAutofit/>
-          </a:bodyPr>
-          <a:lstStyle>
-            <a:lvl1pPr indent="0" algn="r">
-              <a:buNone/>
-              <a:defRPr b="0" lang="ru-RU" sz="1400" strike="noStrike" u="none">
-                <a:solidFill>
-                  <a:srgbClr val="ffffff"/>
-                </a:solidFill>
-                <a:uFillTx/>
-                <a:latin typeface="Arial"/>
-              </a:defRPr>
-            </a:lvl1pPr>
-          </a:lstStyle>
-          <a:p>
-            <a:pPr indent="0" algn="r">
-              <a:buNone/>
-            </a:pPr>
-            <a:fld id="{241B87ED-082F-4887-8B16-770BA706C6FA}" type="slidenum">
-              <a:rPr b="0" lang="ru-RU" sz="1400" strike="noStrike" u="none">
-                <a:solidFill>
-                  <a:srgbClr val="ffffff"/>
-                </a:solidFill>
-                <a:uFillTx/>
-                <a:latin typeface="Arial"/>
-              </a:rPr>
-              <a:t>&lt;номер&gt;</a:t>
-            </a:fld>
-            <a:endParaRPr b="0" lang="ru-RU" sz="1400" strike="noStrike" u="none">
-              <a:solidFill>
-                <a:srgbClr val="ffffff"/>
-              </a:solidFill>
-              <a:uFillTx/>
-              <a:latin typeface="Arial"/>
+              <a:latin typeface="Times New Roman"/>
             </a:endParaRPr>
           </a:p>
         </p:txBody>
@@ -2165,7 +2281,9 @@
     </p:spTree>
   </p:cSld>
   <p:clrMap bg1="lt1" tx1="dk1" bg2="lt2" tx2="dk2" accent1="accent1" accent2="accent2" accent3="accent3" accent4="accent4" accent5="accent5" accent6="accent6" hlink="hlink" folHlink="folHlink"/>
-  <p:sldLayoutIdLst/>
+  <p:sldLayoutIdLst>
+    <p:sldLayoutId id="2147483653" r:id="rId4"/>
+  </p:sldLayoutIdLst>
 </p:sldMaster>
 </file>
 
@@ -2206,8 +2324,8 @@
         </p:nvSpPr>
         <p:spPr>
           <a:xfrm>
-            <a:off x="504000" y="225720"/>
-            <a:ext cx="9071640" cy="946800"/>
+            <a:off x="504000" y="810000"/>
+            <a:ext cx="9071280" cy="1295640"/>
           </a:xfrm>
           <a:prstGeom prst="rect">
             <a:avLst/>
@@ -2222,11 +2340,11 @@
             <a:noAutofit/>
           </a:bodyPr>
           <a:p>
-            <a:pPr indent="0" algn="ctr">
+            <a:pPr indent="0">
               <a:buNone/>
             </a:pPr>
             <a:r>
-              <a:rPr b="0" lang="ru-RU" sz="3300" strike="noStrike" u="none">
+              <a:rPr b="0" lang="ru-RU" sz="1800" strike="noStrike" u="none">
                 <a:solidFill>
                   <a:srgbClr val="000000"/>
                 </a:solidFill>
@@ -2235,7 +2353,7 @@
               </a:rPr>
               <a:t>Для правки текста заглавия щёлкните мышью</a:t>
             </a:r>
-            <a:endParaRPr b="0" lang="ru-RU" sz="3300" strike="noStrike" u="none">
+            <a:endParaRPr b="0" lang="ru-RU" sz="1800" strike="noStrike" u="none">
               <a:solidFill>
                 <a:srgbClr val="000000"/>
               </a:solidFill>
@@ -2257,8 +2375,8 @@
         </p:nvSpPr>
         <p:spPr>
           <a:xfrm>
-            <a:off x="504000" y="1326600"/>
-            <a:ext cx="9071640" cy="3288240"/>
+            <a:off x="504000" y="2376000"/>
+            <a:ext cx="9071280" cy="2753640"/>
           </a:xfrm>
           <a:prstGeom prst="rect">
             <a:avLst/>
@@ -2275,7 +2393,7 @@
           <a:p>
             <a:pPr marL="432000" indent="-324000">
               <a:spcBef>
-                <a:spcPts val="1060"/>
+                <a:spcPts val="1417"/>
               </a:spcBef>
               <a:buClr>
                 <a:srgbClr val="000000"/>
@@ -2285,7 +2403,7 @@
               <a:buChar char=""/>
             </a:pPr>
             <a:r>
-              <a:rPr b="0" lang="ru-RU" sz="2400" strike="noStrike" u="none">
+              <a:rPr b="0" lang="ru-RU" sz="1800" strike="noStrike" u="none">
                 <a:solidFill>
                   <a:srgbClr val="000000"/>
                 </a:solidFill>
@@ -2294,7 +2412,7 @@
               </a:rPr>
               <a:t>Для правки структуры щёлкните мышью</a:t>
             </a:r>
-            <a:endParaRPr b="0" lang="ru-RU" sz="2400" strike="noStrike" u="none">
+            <a:endParaRPr b="0" lang="ru-RU" sz="1800" strike="noStrike" u="none">
               <a:solidFill>
                 <a:srgbClr val="000000"/>
               </a:solidFill>
@@ -2304,38 +2422,98 @@
           </a:p>
           <a:p>
             <a:pPr lvl="1" marL="864000" indent="-324000">
+              <a:spcBef>
+                <a:spcPts val="1134"/>
+              </a:spcBef>
+              <a:buClr>
+                <a:srgbClr val="000000"/>
+              </a:buClr>
+              <a:buSzPct val="75000"/>
+              <a:buFont typeface="Symbol" charset="2"/>
+              <a:buChar char=""/>
+            </a:pPr>
+            <a:r>
+              <a:rPr b="0" lang="ru-RU" sz="1800" strike="noStrike" u="none">
+                <a:solidFill>
+                  <a:srgbClr val="000000"/>
+                </a:solidFill>
+                <a:uFillTx/>
+                <a:latin typeface="Arial"/>
+              </a:rPr>
+              <a:t>Второй уровень структуры</a:t>
+            </a:r>
+            <a:endParaRPr b="0" lang="ru-RU" sz="1800" strike="noStrike" u="none">
+              <a:solidFill>
+                <a:srgbClr val="000000"/>
+              </a:solidFill>
+              <a:uFillTx/>
+              <a:latin typeface="Arial"/>
+            </a:endParaRPr>
+          </a:p>
+          <a:p>
+            <a:pPr lvl="2" marL="1296000" indent="-288000">
               <a:spcBef>
                 <a:spcPts val="850"/>
               </a:spcBef>
               <a:buClr>
                 <a:srgbClr val="000000"/>
               </a:buClr>
+              <a:buSzPct val="45000"/>
+              <a:buFont typeface="Wingdings" charset="2"/>
+              <a:buChar char=""/>
+            </a:pPr>
+            <a:r>
+              <a:rPr b="0" lang="ru-RU" sz="1800" strike="noStrike" u="none">
+                <a:solidFill>
+                  <a:srgbClr val="000000"/>
+                </a:solidFill>
+                <a:uFillTx/>
+                <a:latin typeface="Arial"/>
+              </a:rPr>
+              <a:t>Третий уровень структуры</a:t>
+            </a:r>
+            <a:endParaRPr b="0" lang="ru-RU" sz="1800" strike="noStrike" u="none">
+              <a:solidFill>
+                <a:srgbClr val="000000"/>
+              </a:solidFill>
+              <a:uFillTx/>
+              <a:latin typeface="Arial"/>
+            </a:endParaRPr>
+          </a:p>
+          <a:p>
+            <a:pPr lvl="3" marL="1728000" indent="-216000">
+              <a:spcBef>
+                <a:spcPts val="567"/>
+              </a:spcBef>
+              <a:buClr>
+                <a:srgbClr val="000000"/>
+              </a:buClr>
               <a:buSzPct val="75000"/>
               <a:buFont typeface="Symbol" charset="2"/>
               <a:buChar char=""/>
             </a:pPr>
             <a:r>
-              <a:rPr b="0" lang="ru-RU" sz="2100" strike="noStrike" u="none">
+              <a:rPr b="0" lang="ru-RU" sz="1800" strike="noStrike" u="none">
                 <a:solidFill>
                   <a:srgbClr val="000000"/>
                 </a:solidFill>
                 <a:uFillTx/>
                 <a:latin typeface="Arial"/>
               </a:rPr>
-              <a:t>Второй уровень структуры</a:t>
-            </a:r>
-            <a:endParaRPr b="0" lang="ru-RU" sz="2100" strike="noStrike" u="none">
-              <a:solidFill>
-                <a:srgbClr val="000000"/>
-              </a:solidFill>
-              <a:uFillTx/>
-              <a:latin typeface="Arial"/>
-            </a:endParaRPr>
-          </a:p>
-          <a:p>
-            <a:pPr lvl="2" marL="1296000" indent="-288000">
+              <a:t>Четвёртый уровень структуры</a:t>
+            </a:r>
+            <a:endParaRPr b="0" lang="ru-RU" sz="1800" strike="noStrike" u="none">
+              <a:solidFill>
+                <a:srgbClr val="000000"/>
+              </a:solidFill>
+              <a:uFillTx/>
+              <a:latin typeface="Arial"/>
+            </a:endParaRPr>
+          </a:p>
+          <a:p>
+            <a:pPr lvl="4" marL="2160000" indent="-216000">
               <a:spcBef>
-                <a:spcPts val="638"/>
+                <a:spcPts val="283"/>
               </a:spcBef>
               <a:buClr>
                 <a:srgbClr val="000000"/>
@@ -2352,7 +2530,7 @@
                 <a:uFillTx/>
                 <a:latin typeface="Arial"/>
               </a:rPr>
-              <a:t>Третий уровень структуры</a:t>
+              <a:t>Пятый уровень структуры</a:t>
             </a:r>
             <a:endParaRPr b="0" lang="ru-RU" sz="1800" strike="noStrike" u="none">
               <a:solidFill>
@@ -2363,39 +2541,9 @@
             </a:endParaRPr>
           </a:p>
           <a:p>
-            <a:pPr lvl="3" marL="1728000" indent="-216000">
+            <a:pPr lvl="5" marL="2592000" indent="-216000">
               <a:spcBef>
-                <a:spcPts val="425"/>
-              </a:spcBef>
-              <a:buClr>
-                <a:srgbClr val="000000"/>
-              </a:buClr>
-              <a:buSzPct val="75000"/>
-              <a:buFont typeface="Symbol" charset="2"/>
-              <a:buChar char=""/>
-            </a:pPr>
-            <a:r>
-              <a:rPr b="0" lang="ru-RU" sz="1500" strike="noStrike" u="none">
-                <a:solidFill>
-                  <a:srgbClr val="000000"/>
-                </a:solidFill>
-                <a:uFillTx/>
-                <a:latin typeface="Arial"/>
-              </a:rPr>
-              <a:t>Четвёртый уровень структуры</a:t>
-            </a:r>
-            <a:endParaRPr b="0" lang="ru-RU" sz="1500" strike="noStrike" u="none">
-              <a:solidFill>
-                <a:srgbClr val="000000"/>
-              </a:solidFill>
-              <a:uFillTx/>
-              <a:latin typeface="Arial"/>
-            </a:endParaRPr>
-          </a:p>
-          <a:p>
-            <a:pPr lvl="4" marL="2160000" indent="-216000">
-              <a:spcBef>
-                <a:spcPts val="213"/>
+                <a:spcPts val="283"/>
               </a:spcBef>
               <a:buClr>
                 <a:srgbClr val="000000"/>
@@ -2405,27 +2553,27 @@
               <a:buChar char=""/>
             </a:pPr>
             <a:r>
-              <a:rPr b="0" lang="ru-RU" sz="1500" strike="noStrike" u="none">
+              <a:rPr b="0" lang="ru-RU" sz="1800" strike="noStrike" u="none">
                 <a:solidFill>
                   <a:srgbClr val="000000"/>
                 </a:solidFill>
                 <a:uFillTx/>
                 <a:latin typeface="Arial"/>
               </a:rPr>
-              <a:t>Пятый уровень структуры</a:t>
-            </a:r>
-            <a:endParaRPr b="0" lang="ru-RU" sz="1500" strike="noStrike" u="none">
-              <a:solidFill>
-                <a:srgbClr val="000000"/>
-              </a:solidFill>
-              <a:uFillTx/>
-              <a:latin typeface="Arial"/>
-            </a:endParaRPr>
-          </a:p>
-          <a:p>
-            <a:pPr lvl="5" marL="2592000" indent="-216000">
+              <a:t>Шестой уровень структуры</a:t>
+            </a:r>
+            <a:endParaRPr b="0" lang="ru-RU" sz="1800" strike="noStrike" u="none">
+              <a:solidFill>
+                <a:srgbClr val="000000"/>
+              </a:solidFill>
+              <a:uFillTx/>
+              <a:latin typeface="Arial"/>
+            </a:endParaRPr>
+          </a:p>
+          <a:p>
+            <a:pPr lvl="6" marL="3024000" indent="-216000">
               <a:spcBef>
-                <a:spcPts val="213"/>
+                <a:spcPts val="283"/>
               </a:spcBef>
               <a:buClr>
                 <a:srgbClr val="000000"/>
@@ -2435,69 +2583,189 @@
               <a:buChar char=""/>
             </a:pPr>
             <a:r>
-              <a:rPr b="0" lang="ru-RU" sz="1500" strike="noStrike" u="none">
+              <a:rPr b="0" lang="ru-RU" sz="1800" strike="noStrike" u="none">
                 <a:solidFill>
                   <a:srgbClr val="000000"/>
                 </a:solidFill>
                 <a:uFillTx/>
                 <a:latin typeface="Arial"/>
               </a:rPr>
-              <a:t>Шестой уровень структуры</a:t>
-            </a:r>
-            <a:endParaRPr b="0" lang="ru-RU" sz="1500" strike="noStrike" u="none">
-              <a:solidFill>
-                <a:srgbClr val="000000"/>
-              </a:solidFill>
-              <a:uFillTx/>
-              <a:latin typeface="Arial"/>
-            </a:endParaRPr>
-          </a:p>
-          <a:p>
-            <a:pPr lvl="6" marL="3024000" indent="-216000">
-              <a:spcBef>
-                <a:spcPts val="213"/>
-              </a:spcBef>
-              <a:buClr>
-                <a:srgbClr val="000000"/>
-              </a:buClr>
-              <a:buSzPct val="45000"/>
-              <a:buFont typeface="Wingdings" charset="2"/>
-              <a:buChar char=""/>
-            </a:pPr>
-            <a:r>
-              <a:rPr b="0" lang="ru-RU" sz="1500" strike="noStrike" u="none">
+              <a:t>Седьмой уровень структуры</a:t>
+            </a:r>
+            <a:endParaRPr b="0" lang="ru-RU" sz="1800" strike="noStrike" u="none">
+              <a:solidFill>
+                <a:srgbClr val="000000"/>
+              </a:solidFill>
+              <a:uFillTx/>
+              <a:latin typeface="Arial"/>
+            </a:endParaRPr>
+          </a:p>
+        </p:txBody>
+      </p:sp>
+      <p:sp>
+        <p:nvSpPr>
+          <p:cNvPr id="24" name="PlaceHolder 3"/>
+          <p:cNvSpPr>
+            <a:spLocks noGrp="1"/>
+          </p:cNvSpPr>
+          <p:nvPr>
+            <p:ph type="ftr" idx="10"/>
+          </p:nvPr>
+        </p:nvSpPr>
+        <p:spPr>
+          <a:xfrm>
+            <a:off x="3447360" y="5165280"/>
+            <a:ext cx="3194640" cy="390600"/>
+          </a:xfrm>
+          <a:prstGeom prst="rect">
+            <a:avLst/>
+          </a:prstGeom>
+          <a:noFill/>
+          <a:ln w="0">
+            <a:noFill/>
+          </a:ln>
+        </p:spPr>
+        <p:txBody>
+          <a:bodyPr lIns="0" rIns="0" tIns="0" bIns="0" anchor="t">
+            <a:noAutofit/>
+          </a:bodyPr>
+          <a:lstStyle>
+            <a:lvl1pPr indent="0" algn="ctr">
+              <a:lnSpc>
+                <a:spcPct val="100000"/>
+              </a:lnSpc>
+              <a:buNone/>
+              <a:tabLst>
+                <a:tab algn="l" pos="0"/>
+              </a:tabLst>
+              <a:defRPr b="0" lang="ru-RU" sz="1400" strike="noStrike" u="none">
                 <a:solidFill>
                   <a:srgbClr val="000000"/>
                 </a:solidFill>
                 <a:uFillTx/>
                 <a:latin typeface="Arial"/>
-              </a:rPr>
-              <a:t>Седьмой уровень структуры</a:t>
-            </a:r>
-            <a:endParaRPr b="0" lang="ru-RU" sz="1500" strike="noStrike" u="none">
-              <a:solidFill>
-                <a:srgbClr val="000000"/>
-              </a:solidFill>
-              <a:uFillTx/>
-              <a:latin typeface="Arial"/>
-            </a:endParaRPr>
-          </a:p>
-        </p:txBody>
-      </p:sp>
-      <p:sp>
-        <p:nvSpPr>
-          <p:cNvPr id="24" name="PlaceHolder 3"/>
-          <p:cNvSpPr>
-            <a:spLocks noGrp="1"/>
-          </p:cNvSpPr>
-          <p:nvPr>
-            <p:ph type="dt" idx="10"/>
+              </a:defRPr>
+            </a:lvl1pPr>
+          </a:lstStyle>
+          <a:p>
+            <a:pPr indent="0" algn="ctr">
+              <a:lnSpc>
+                <a:spcPct val="100000"/>
+              </a:lnSpc>
+              <a:buNone/>
+              <a:tabLst>
+                <a:tab algn="l" pos="0"/>
+              </a:tabLst>
+            </a:pPr>
+            <a:r>
+              <a:rPr b="0" lang="ru-RU" sz="1400" strike="noStrike" u="none">
+                <a:solidFill>
+                  <a:srgbClr val="000000"/>
+                </a:solidFill>
+                <a:uFillTx/>
+                <a:latin typeface="Arial"/>
+              </a:rPr>
+              <a:t>&lt;нижний колонтитул&gt;</a:t>
+            </a:r>
+            <a:endParaRPr b="0" lang="ru-RU" sz="1400" strike="noStrike" u="none">
+              <a:solidFill>
+                <a:srgbClr val="000000"/>
+              </a:solidFill>
+              <a:uFillTx/>
+              <a:latin typeface="Times New Roman"/>
+            </a:endParaRPr>
+          </a:p>
+        </p:txBody>
+      </p:sp>
+      <p:sp>
+        <p:nvSpPr>
+          <p:cNvPr id="25" name="PlaceHolder 4"/>
+          <p:cNvSpPr>
+            <a:spLocks noGrp="1"/>
+          </p:cNvSpPr>
+          <p:nvPr>
+            <p:ph type="sldNum" idx="11"/>
+          </p:nvPr>
+        </p:nvSpPr>
+        <p:spPr>
+          <a:xfrm>
+            <a:off x="7227360" y="5165280"/>
+            <a:ext cx="2347920" cy="390600"/>
+          </a:xfrm>
+          <a:prstGeom prst="rect">
+            <a:avLst/>
+          </a:prstGeom>
+          <a:noFill/>
+          <a:ln w="0">
+            <a:noFill/>
+          </a:ln>
+        </p:spPr>
+        <p:txBody>
+          <a:bodyPr lIns="0" rIns="0" tIns="0" bIns="0" anchor="t">
+            <a:noAutofit/>
+          </a:bodyPr>
+          <a:lstStyle>
+            <a:lvl1pPr indent="0" algn="r">
+              <a:lnSpc>
+                <a:spcPct val="100000"/>
+              </a:lnSpc>
+              <a:buNone/>
+              <a:tabLst>
+                <a:tab algn="l" pos="0"/>
+              </a:tabLst>
+              <a:defRPr b="0" lang="ru-RU" sz="1400" strike="noStrike" u="none">
+                <a:solidFill>
+                  <a:srgbClr val="000000"/>
+                </a:solidFill>
+                <a:uFillTx/>
+                <a:latin typeface="Arial"/>
+              </a:defRPr>
+            </a:lvl1pPr>
+          </a:lstStyle>
+          <a:p>
+            <a:pPr indent="0" algn="r">
+              <a:lnSpc>
+                <a:spcPct val="100000"/>
+              </a:lnSpc>
+              <a:buNone/>
+              <a:tabLst>
+                <a:tab algn="l" pos="0"/>
+              </a:tabLst>
+            </a:pPr>
+            <a:fld id="{1DA3C39F-6558-4125-B769-1B49EFEF9D42}" type="slidenum">
+              <a:rPr b="0" lang="ru-RU" sz="1400" strike="noStrike" u="none">
+                <a:solidFill>
+                  <a:srgbClr val="000000"/>
+                </a:solidFill>
+                <a:uFillTx/>
+                <a:latin typeface="Arial"/>
+              </a:rPr>
+              <a:t>&lt;номер&gt;</a:t>
+            </a:fld>
+            <a:endParaRPr b="0" lang="ru-RU" sz="1400" strike="noStrike" u="none">
+              <a:solidFill>
+                <a:srgbClr val="000000"/>
+              </a:solidFill>
+              <a:uFillTx/>
+              <a:latin typeface="Times New Roman"/>
+            </a:endParaRPr>
+          </a:p>
+        </p:txBody>
+      </p:sp>
+      <p:sp>
+        <p:nvSpPr>
+          <p:cNvPr id="26" name="PlaceHolder 5"/>
+          <p:cNvSpPr>
+            <a:spLocks noGrp="1"/>
+          </p:cNvSpPr>
+          <p:nvPr>
+            <p:ph type="dt" idx="12"/>
           </p:nvPr>
         </p:nvSpPr>
         <p:spPr>
           <a:xfrm>
             <a:off x="504000" y="5165280"/>
-            <a:ext cx="2348280" cy="390960"/>
+            <a:ext cx="2347920" cy="390600"/>
           </a:xfrm>
           <a:prstGeom prst="rect">
             <a:avLst/>
@@ -2519,7 +2787,7 @@
                   <a:srgbClr val="000000"/>
                 </a:solidFill>
                 <a:uFillTx/>
-                <a:latin typeface="Arial"/>
+                <a:latin typeface="Times New Roman"/>
               </a:defRPr>
             </a:lvl1pPr>
           </a:lstStyle>
@@ -2533,7 +2801,7 @@
                   <a:srgbClr val="000000"/>
                 </a:solidFill>
                 <a:uFillTx/>
-                <a:latin typeface="Arial"/>
+                <a:latin typeface="Times New Roman"/>
               </a:rPr>
               <a:t>&lt;дата/время&gt;</a:t>
             </a:r>
@@ -2542,133 +2810,7 @@
                 <a:srgbClr val="000000"/>
               </a:solidFill>
               <a:uFillTx/>
-              <a:latin typeface="Arial"/>
-            </a:endParaRPr>
-          </a:p>
-        </p:txBody>
-      </p:sp>
-      <p:sp>
-        <p:nvSpPr>
-          <p:cNvPr id="25" name="PlaceHolder 4"/>
-          <p:cNvSpPr>
-            <a:spLocks noGrp="1"/>
-          </p:cNvSpPr>
-          <p:nvPr>
-            <p:ph type="ftr" idx="11"/>
-          </p:nvPr>
-        </p:nvSpPr>
-        <p:spPr>
-          <a:xfrm>
-            <a:off x="3447360" y="5165280"/>
-            <a:ext cx="3195000" cy="390960"/>
-          </a:xfrm>
-          <a:prstGeom prst="rect">
-            <a:avLst/>
-          </a:prstGeom>
-          <a:noFill/>
-          <a:ln w="0">
-            <a:noFill/>
-          </a:ln>
-        </p:spPr>
-        <p:txBody>
-          <a:bodyPr lIns="0" rIns="0" tIns="0" bIns="0" anchor="t">
-            <a:noAutofit/>
-          </a:bodyPr>
-          <a:lstStyle>
-            <a:lvl1pPr indent="0" algn="ctr">
-              <a:buNone/>
-              <a:defRPr b="0" lang="ru-RU" sz="1400" strike="noStrike" u="none">
-                <a:solidFill>
-                  <a:srgbClr val="000000"/>
-                </a:solidFill>
-                <a:uFillTx/>
-                <a:latin typeface="Arial"/>
-              </a:defRPr>
-            </a:lvl1pPr>
-          </a:lstStyle>
-          <a:p>
-            <a:pPr indent="0" algn="ctr">
-              <a:buNone/>
-            </a:pPr>
-            <a:r>
-              <a:rPr b="0" lang="ru-RU" sz="1400" strike="noStrike" u="none">
-                <a:solidFill>
-                  <a:srgbClr val="000000"/>
-                </a:solidFill>
-                <a:uFillTx/>
-                <a:latin typeface="Arial"/>
-              </a:rPr>
-              <a:t>&lt;нижний колонтитул&gt;</a:t>
-            </a:r>
-            <a:endParaRPr b="0" lang="ru-RU" sz="1400" strike="noStrike" u="none">
-              <a:solidFill>
-                <a:srgbClr val="000000"/>
-              </a:solidFill>
-              <a:uFillTx/>
-              <a:latin typeface="Arial"/>
-            </a:endParaRPr>
-          </a:p>
-        </p:txBody>
-      </p:sp>
-      <p:sp>
-        <p:nvSpPr>
-          <p:cNvPr id="26" name="PlaceHolder 5"/>
-          <p:cNvSpPr>
-            <a:spLocks noGrp="1"/>
-          </p:cNvSpPr>
-          <p:nvPr>
-            <p:ph type="sldNum" idx="12"/>
-          </p:nvPr>
-        </p:nvSpPr>
-        <p:spPr>
-          <a:xfrm>
-            <a:off x="7227360" y="5165280"/>
-            <a:ext cx="2348280" cy="390960"/>
-          </a:xfrm>
-          <a:prstGeom prst="rect">
-            <a:avLst/>
-          </a:prstGeom>
-          <a:noFill/>
-          <a:ln w="0">
-            <a:noFill/>
-          </a:ln>
-        </p:spPr>
-        <p:txBody>
-          <a:bodyPr lIns="0" rIns="0" tIns="0" bIns="0" anchor="t">
-            <a:noAutofit/>
-          </a:bodyPr>
-          <a:lstStyle>
-            <a:lvl1pPr indent="0" algn="r">
-              <a:buNone/>
-              <a:defRPr b="0" lang="ru-RU" sz="1400" strike="noStrike" u="none">
-                <a:solidFill>
-                  <a:srgbClr val="000000"/>
-                </a:solidFill>
-                <a:uFillTx/>
-                <a:latin typeface="Arial"/>
-              </a:defRPr>
-            </a:lvl1pPr>
-          </a:lstStyle>
-          <a:p>
-            <a:pPr indent="0" algn="r">
-              <a:buNone/>
-            </a:pPr>
-            <a:fld id="{685408F5-8087-451C-A71D-3ADDB847129E}" type="slidenum">
-              <a:rPr b="0" lang="ru-RU" sz="1400" strike="noStrike" u="none">
-                <a:solidFill>
-                  <a:srgbClr val="000000"/>
-                </a:solidFill>
-                <a:uFillTx/>
-                <a:latin typeface="Arial"/>
-              </a:rPr>
-              <a:t>&lt;номер&gt;</a:t>
-            </a:fld>
-            <a:endParaRPr b="0" lang="ru-RU" sz="1400" strike="noStrike" u="none">
-              <a:solidFill>
-                <a:srgbClr val="000000"/>
-              </a:solidFill>
-              <a:uFillTx/>
-              <a:latin typeface="Arial"/>
+              <a:latin typeface="Times New Roman"/>
             </a:endParaRPr>
           </a:p>
         </p:txBody>
@@ -2676,7 +2818,9 @@
     </p:spTree>
   </p:cSld>
   <p:clrMap bg1="lt1" tx1="dk1" bg2="lt2" tx2="dk2" accent1="accent1" accent2="accent2" accent3="accent3" accent4="accent4" accent5="accent5" accent6="accent6" hlink="hlink" folHlink="folHlink"/>
-  <p:sldLayoutIdLst/>
+  <p:sldLayoutIdLst>
+    <p:sldLayoutId id="2147483655" r:id="rId3"/>
+  </p:sldLayoutIdLst>
 </p:sldMaster>
 </file>
 
@@ -2699,7 +2843,7 @@
       </p:grpSpPr>
       <p:sp>
         <p:nvSpPr>
-          <p:cNvPr id="27" name="PlaceHolder 1"/>
+          <p:cNvPr id="29" name="PlaceHolder 1"/>
           <p:cNvSpPr>
             <a:spLocks noGrp="1"/>
           </p:cNvSpPr>
@@ -2710,7 +2854,7 @@
         <p:spPr>
           <a:xfrm>
             <a:off x="504000" y="810000"/>
-            <a:ext cx="9071640" cy="1296000"/>
+            <a:ext cx="9071280" cy="1295640"/>
           </a:xfrm>
           <a:prstGeom prst="rect">
             <a:avLst/>
@@ -2726,7 +2870,13 @@
           </a:bodyPr>
           <a:p>
             <a:pPr indent="0" algn="ctr">
+              <a:lnSpc>
+                <a:spcPct val="100000"/>
+              </a:lnSpc>
               <a:buNone/>
+              <a:tabLst>
+                <a:tab algn="l" pos="0"/>
+              </a:tabLst>
             </a:pPr>
             <a:r>
               <a:rPr b="0" lang="ru-RU" sz="4400" strike="noStrike" u="none">
@@ -2750,7 +2900,7 @@
       </p:sp>
       <p:sp>
         <p:nvSpPr>
-          <p:cNvPr id="28" name="PlaceHolder 2"/>
+          <p:cNvPr id="30" name="PlaceHolder 2"/>
           <p:cNvSpPr>
             <a:spLocks noGrp="1"/>
           </p:cNvSpPr>
@@ -2761,7 +2911,7 @@
         <p:spPr>
           <a:xfrm>
             <a:off x="504000" y="2376000"/>
-            <a:ext cx="9071640" cy="2754000"/>
+            <a:ext cx="9071280" cy="2753640"/>
           </a:xfrm>
           <a:prstGeom prst="rect">
             <a:avLst/>
@@ -2777,7 +2927,13 @@
           </a:bodyPr>
           <a:p>
             <a:pPr indent="0" algn="ctr">
+              <a:lnSpc>
+                <a:spcPct val="100000"/>
+              </a:lnSpc>
               <a:buNone/>
+              <a:tabLst>
+                <a:tab algn="l" pos="0"/>
+              </a:tabLst>
             </a:pPr>
             <a:r>
               <a:rPr b="0" lang="ru-RU" sz="2400" strike="noStrike" u="none">
@@ -2799,7 +2955,13 @@
           </a:p>
           <a:p>
             <a:pPr indent="0" algn="ctr">
+              <a:lnSpc>
+                <a:spcPct val="100000"/>
+              </a:lnSpc>
               <a:buNone/>
+              <a:tabLst>
+                <a:tab algn="l" pos="0"/>
+              </a:tabLst>
             </a:pPr>
             <a:r>
               <a:rPr b="0" lang="ru-RU" sz="2400" strike="noStrike" u="none">
@@ -2821,7 +2983,13 @@
           </a:p>
           <a:p>
             <a:pPr indent="0" algn="ctr">
+              <a:lnSpc>
+                <a:spcPct val="100000"/>
+              </a:lnSpc>
               <a:buNone/>
+              <a:tabLst>
+                <a:tab algn="l" pos="0"/>
+              </a:tabLst>
             </a:pPr>
             <a:r>
               <a:rPr b="0" lang="ru-RU" sz="2400" strike="noStrike" u="none">
@@ -2875,7 +3043,7 @@
       </p:grpSpPr>
       <p:sp>
         <p:nvSpPr>
-          <p:cNvPr id="29" name="PlaceHolder 1"/>
+          <p:cNvPr id="31" name="PlaceHolder 1"/>
           <p:cNvSpPr>
             <a:spLocks noGrp="1"/>
           </p:cNvSpPr>
@@ -2886,7 +3054,7 @@
         <p:spPr>
           <a:xfrm>
             <a:off x="504000" y="225720"/>
-            <a:ext cx="9071640" cy="946800"/>
+            <a:ext cx="9071280" cy="946440"/>
           </a:xfrm>
           <a:prstGeom prst="rect">
             <a:avLst/>
@@ -2902,7 +3070,13 @@
           </a:bodyPr>
           <a:p>
             <a:pPr indent="0" algn="ctr">
+              <a:lnSpc>
+                <a:spcPct val="100000"/>
+              </a:lnSpc>
               <a:buNone/>
+              <a:tabLst>
+                <a:tab algn="l" pos="0"/>
+              </a:tabLst>
             </a:pPr>
             <a:r>
               <a:rPr b="0" lang="ru-RU" sz="3300" strike="noStrike" u="none">
@@ -2926,7 +3100,7 @@
       </p:sp>
       <p:sp>
         <p:nvSpPr>
-          <p:cNvPr id="30" name="PlaceHolder 2"/>
+          <p:cNvPr id="32" name="PlaceHolder 2"/>
           <p:cNvSpPr>
             <a:spLocks noGrp="1"/>
           </p:cNvSpPr>
@@ -2937,7 +3111,7 @@
         <p:spPr>
           <a:xfrm>
             <a:off x="504000" y="1326600"/>
-            <a:ext cx="9071640" cy="3288240"/>
+            <a:ext cx="9071280" cy="3287880"/>
           </a:xfrm>
           <a:prstGeom prst="rect">
             <a:avLst/>
@@ -2953,6 +3127,9 @@
           </a:bodyPr>
           <a:p>
             <a:pPr marL="432000" indent="-324000">
+              <a:lnSpc>
+                <a:spcPct val="100000"/>
+              </a:lnSpc>
               <a:spcBef>
                 <a:spcPts val="1060"/>
               </a:spcBef>
@@ -3015,7 +3192,7 @@
       </p:grpSpPr>
       <p:sp>
         <p:nvSpPr>
-          <p:cNvPr id="31" name="PlaceHolder 1"/>
+          <p:cNvPr id="33" name="PlaceHolder 1"/>
           <p:cNvSpPr>
             <a:spLocks noGrp="1"/>
           </p:cNvSpPr>
@@ -3026,7 +3203,7 @@
         <p:spPr>
           <a:xfrm>
             <a:off x="504000" y="225720"/>
-            <a:ext cx="9071640" cy="946800"/>
+            <a:ext cx="9071280" cy="946440"/>
           </a:xfrm>
           <a:prstGeom prst="rect">
             <a:avLst/>
@@ -3042,7 +3219,13 @@
           </a:bodyPr>
           <a:p>
             <a:pPr indent="0" algn="ctr">
+              <a:lnSpc>
+                <a:spcPct val="100000"/>
+              </a:lnSpc>
               <a:buNone/>
+              <a:tabLst>
+                <a:tab algn="l" pos="0"/>
+              </a:tabLst>
             </a:pPr>
             <a:r>
               <a:rPr b="0" lang="ru-RU" sz="3300" strike="noStrike" u="none">
@@ -3066,7 +3249,7 @@
       </p:sp>
       <p:sp>
         <p:nvSpPr>
-          <p:cNvPr id="32" name="PlaceHolder 2"/>
+          <p:cNvPr id="34" name="PlaceHolder 2"/>
           <p:cNvSpPr>
             <a:spLocks noGrp="1"/>
           </p:cNvSpPr>
@@ -3077,7 +3260,7 @@
         <p:spPr>
           <a:xfrm>
             <a:off x="504000" y="1326600"/>
-            <a:ext cx="9071640" cy="3288240"/>
+            <a:ext cx="9071280" cy="3287880"/>
           </a:xfrm>
           <a:prstGeom prst="rect">
             <a:avLst/>
@@ -3093,6 +3276,9 @@
           </a:bodyPr>
           <a:p>
             <a:pPr marL="432000" indent="-324000">
+              <a:lnSpc>
+                <a:spcPct val="100000"/>
+              </a:lnSpc>
               <a:spcBef>
                 <a:spcPts val="1060"/>
               </a:spcBef>
@@ -3123,6 +3309,9 @@
           </a:p>
           <a:p>
             <a:pPr marL="432000" indent="-324000">
+              <a:lnSpc>
+                <a:spcPct val="100000"/>
+              </a:lnSpc>
               <a:spcBef>
                 <a:spcPts val="1060"/>
               </a:spcBef>
@@ -3153,10 +3342,16 @@
           </a:p>
           <a:p>
             <a:pPr marL="432000" indent="0">
+              <a:lnSpc>
+                <a:spcPct val="100000"/>
+              </a:lnSpc>
               <a:spcBef>
                 <a:spcPts val="1060"/>
               </a:spcBef>
               <a:buNone/>
+              <a:tabLst>
+                <a:tab algn="l" pos="0"/>
+              </a:tabLst>
             </a:pPr>
             <a:endParaRPr b="0" lang="ru-RU" sz="2400" strike="noStrike" u="none">
               <a:solidFill>
@@ -3200,7 +3395,7 @@
       </p:grpSpPr>
       <p:sp>
         <p:nvSpPr>
-          <p:cNvPr id="33" name="PlaceHolder 1"/>
+          <p:cNvPr id="35" name="PlaceHolder 1"/>
           <p:cNvSpPr>
             <a:spLocks noGrp="1"/>
           </p:cNvSpPr>
@@ -3211,7 +3406,7 @@
         <p:spPr>
           <a:xfrm>
             <a:off x="504000" y="225720"/>
-            <a:ext cx="9071640" cy="946800"/>
+            <a:ext cx="9071280" cy="946440"/>
           </a:xfrm>
           <a:prstGeom prst="rect">
             <a:avLst/>
@@ -3227,7 +3422,13 @@
           </a:bodyPr>
           <a:p>
             <a:pPr indent="0" algn="ctr">
+              <a:lnSpc>
+                <a:spcPct val="100000"/>
+              </a:lnSpc>
               <a:buNone/>
+              <a:tabLst>
+                <a:tab algn="l" pos="0"/>
+              </a:tabLst>
             </a:pPr>
             <a:r>
               <a:rPr b="0" lang="ru-RU" sz="3300" strike="noStrike" u="none">
@@ -3251,7 +3452,7 @@
       </p:sp>
       <p:sp>
         <p:nvSpPr>
-          <p:cNvPr id="34" name="PlaceHolder 2"/>
+          <p:cNvPr id="36" name="PlaceHolder 2"/>
           <p:cNvSpPr>
             <a:spLocks noGrp="1"/>
           </p:cNvSpPr>
@@ -3262,7 +3463,7 @@
         <p:spPr>
           <a:xfrm>
             <a:off x="504000" y="1326600"/>
-            <a:ext cx="9071640" cy="3288240"/>
+            <a:ext cx="9071280" cy="3287880"/>
           </a:xfrm>
           <a:prstGeom prst="rect">
             <a:avLst/>
@@ -3278,6 +3479,9 @@
           </a:bodyPr>
           <a:p>
             <a:pPr marL="432000" indent="-324000">
+              <a:lnSpc>
+                <a:spcPct val="100000"/>
+              </a:lnSpc>
               <a:spcBef>
                 <a:spcPts val="1060"/>
               </a:spcBef>
@@ -3340,58 +3544,7 @@
       </p:grpSpPr>
       <p:sp>
         <p:nvSpPr>
-          <p:cNvPr id="35" name="PlaceHolder 1"/>
-          <p:cNvSpPr>
-            <a:spLocks noGrp="1"/>
-          </p:cNvSpPr>
-          <p:nvPr>
-            <p:ph type="title"/>
-          </p:nvPr>
-        </p:nvSpPr>
-        <p:spPr>
-          <a:xfrm>
-            <a:off x="504000" y="225720"/>
-            <a:ext cx="9071640" cy="946800"/>
-          </a:xfrm>
-          <a:prstGeom prst="rect">
-            <a:avLst/>
-          </a:prstGeom>
-          <a:noFill/>
-          <a:ln w="0">
-            <a:noFill/>
-          </a:ln>
-        </p:spPr>
-        <p:txBody>
-          <a:bodyPr lIns="0" rIns="0" tIns="0" bIns="0" anchor="ctr">
-            <a:noAutofit/>
-          </a:bodyPr>
-          <a:p>
-            <a:pPr indent="0" algn="ctr">
-              <a:buNone/>
-            </a:pPr>
-            <a:r>
-              <a:rPr b="0" lang="ru-RU" sz="3300" strike="noStrike" u="none">
-                <a:solidFill>
-                  <a:srgbClr val="000000"/>
-                </a:solidFill>
-                <a:uFillTx/>
-                <a:latin typeface="Arial"/>
-              </a:rPr>
-              <a:t>Функционал проекта</a:t>
-            </a:r>
-            <a:endParaRPr b="0" lang="ru-RU" sz="3300" strike="noStrike" u="none">
-              <a:solidFill>
-                <a:srgbClr val="000000"/>
-              </a:solidFill>
-              <a:uFillTx/>
-              <a:latin typeface="Arial"/>
-            </a:endParaRPr>
-          </a:p>
-        </p:txBody>
-      </p:sp>
-      <p:sp>
-        <p:nvSpPr>
-          <p:cNvPr id="36" name="PlaceHolder 2"/>
+          <p:cNvPr id="37" name="PlaceHolder 1"/>
           <p:cNvSpPr>
             <a:spLocks noGrp="1"/>
           </p:cNvSpPr>
@@ -3402,7 +3555,7 @@
         <p:spPr>
           <a:xfrm>
             <a:off x="504000" y="1326600"/>
-            <a:ext cx="9071640" cy="3288240"/>
+            <a:ext cx="9071280" cy="3287880"/>
           </a:xfrm>
           <a:prstGeom prst="rect">
             <a:avLst/>
@@ -3418,6 +3571,9 @@
           </a:bodyPr>
           <a:p>
             <a:pPr marL="432000" indent="-324000">
+              <a:lnSpc>
+                <a:spcPct val="100000"/>
+              </a:lnSpc>
               <a:spcBef>
                 <a:spcPts val="1060"/>
               </a:spcBef>
@@ -3450,7 +3606,7 @@
       </p:sp>
       <p:pic>
         <p:nvPicPr>
-          <p:cNvPr id="37" name="" descr=""/>
+          <p:cNvPr id="38" name="" descr=""/>
           <p:cNvPicPr/>
           <p:nvPr/>
         </p:nvPicPr>
@@ -3461,12 +3617,58 @@
         <p:spPr>
           <a:xfrm>
             <a:off x="720000" y="2170800"/>
-            <a:ext cx="2887920" cy="2869200"/>
+            <a:ext cx="2887560" cy="2868840"/>
           </a:xfrm>
           <a:prstGeom prst="rect">
             <a:avLst/>
           </a:prstGeom>
           <a:ln w="18000">
+            <a:noFill/>
+          </a:ln>
+        </p:spPr>
+      </p:pic>
+      <p:pic>
+        <p:nvPicPr>
+          <p:cNvPr id="39" name="" descr=""/>
+          <p:cNvPicPr/>
+          <p:nvPr/>
+        </p:nvPicPr>
+        <p:blipFill>
+          <a:blip r:embed="rId2"/>
+          <a:stretch/>
+        </p:blipFill>
+        <p:spPr>
+          <a:xfrm>
+            <a:off x="3564000" y="2160000"/>
+            <a:ext cx="3096000" cy="2700000"/>
+          </a:xfrm>
+          <a:prstGeom prst="rect">
+            <a:avLst/>
+          </a:prstGeom>
+          <a:ln w="0">
+            <a:noFill/>
+          </a:ln>
+        </p:spPr>
+      </p:pic>
+      <p:pic>
+        <p:nvPicPr>
+          <p:cNvPr id="40" name="" descr=""/>
+          <p:cNvPicPr/>
+          <p:nvPr/>
+        </p:nvPicPr>
+        <p:blipFill>
+          <a:blip r:embed="rId3"/>
+          <a:stretch/>
+        </p:blipFill>
+        <p:spPr>
+          <a:xfrm>
+            <a:off x="6660000" y="2160000"/>
+            <a:ext cx="2880000" cy="2583720"/>
+          </a:xfrm>
+          <a:prstGeom prst="rect">
+            <a:avLst/>
+          </a:prstGeom>
+          <a:ln w="0">
             <a:noFill/>
           </a:ln>
         </p:spPr>
@@ -3503,7 +3705,7 @@
       </p:grpSpPr>
       <p:sp>
         <p:nvSpPr>
-          <p:cNvPr id="38" name="PlaceHolder 1"/>
+          <p:cNvPr id="41" name="PlaceHolder 1"/>
           <p:cNvSpPr>
             <a:spLocks noGrp="1"/>
           </p:cNvSpPr>
@@ -3514,7 +3716,7 @@
         <p:spPr>
           <a:xfrm>
             <a:off x="504000" y="225720"/>
-            <a:ext cx="9071640" cy="946800"/>
+            <a:ext cx="9071280" cy="946440"/>
           </a:xfrm>
           <a:prstGeom prst="rect">
             <a:avLst/>
@@ -3530,7 +3732,13 @@
           </a:bodyPr>
           <a:p>
             <a:pPr indent="0" algn="ctr">
+              <a:lnSpc>
+                <a:spcPct val="100000"/>
+              </a:lnSpc>
               <a:buNone/>
+              <a:tabLst>
+                <a:tab algn="l" pos="0"/>
+              </a:tabLst>
             </a:pPr>
             <a:r>
               <a:rPr b="0" lang="ru-RU" sz="3300" strike="noStrike" u="none">
@@ -3554,7 +3762,7 @@
       </p:sp>
       <p:sp>
         <p:nvSpPr>
-          <p:cNvPr id="39" name="PlaceHolder 2"/>
+          <p:cNvPr id="42" name="PlaceHolder 2"/>
           <p:cNvSpPr>
             <a:spLocks noGrp="1"/>
           </p:cNvSpPr>
@@ -3565,7 +3773,7 @@
         <p:spPr>
           <a:xfrm>
             <a:off x="504000" y="1326600"/>
-            <a:ext cx="9071640" cy="3288240"/>
+            <a:ext cx="9071280" cy="1013400"/>
           </a:xfrm>
           <a:prstGeom prst="rect">
             <a:avLst/>
@@ -3577,10 +3785,13 @@
         </p:spPr>
         <p:txBody>
           <a:bodyPr lIns="0" rIns="0" tIns="0" bIns="0" anchor="t">
-            <a:normAutofit/>
+            <a:normAutofit lnSpcReduction="9999"/>
           </a:bodyPr>
           <a:p>
             <a:pPr marL="432000" indent="-324000">
+              <a:lnSpc>
+                <a:spcPct val="100000"/>
+              </a:lnSpc>
               <a:spcBef>
                 <a:spcPts val="1060"/>
               </a:spcBef>
@@ -3599,7 +3810,7 @@
                 <a:uFillTx/>
                 <a:latin typeface="Arial"/>
               </a:rPr>
-              <a:t>Также в проекте имеются спрайты, механика соприкосновения объектов и анимации</a:t>
+              <a:t>Также в проекте имеются спрайты, механика соприкосновения объектов и анимацию. В игре есть кристаллы, платформы и энергетические дыры</a:t>
             </a:r>
             <a:endParaRPr b="0" lang="ru-RU" sz="2400" strike="noStrike" u="none">
               <a:solidFill>
@@ -3613,7 +3824,7 @@
       </p:sp>
       <p:pic>
         <p:nvPicPr>
-          <p:cNvPr id="40" name="" descr=""/>
+          <p:cNvPr id="43" name="" descr=""/>
           <p:cNvPicPr/>
           <p:nvPr/>
         </p:nvPicPr>
@@ -3623,13 +3834,59 @@
         </p:blipFill>
         <p:spPr>
           <a:xfrm>
-            <a:off x="1080000" y="2396880"/>
-            <a:ext cx="1253880" cy="2643120"/>
-          </a:xfrm>
-          <a:prstGeom prst="rect">
-            <a:avLst/>
-          </a:prstGeom>
-          <a:ln w="18000">
+            <a:off x="2271240" y="2700000"/>
+            <a:ext cx="1607040" cy="1655280"/>
+          </a:xfrm>
+          <a:prstGeom prst="rect">
+            <a:avLst/>
+          </a:prstGeom>
+          <a:ln w="0">
+            <a:noFill/>
+          </a:ln>
+        </p:spPr>
+      </p:pic>
+      <p:pic>
+        <p:nvPicPr>
+          <p:cNvPr id="44" name="" descr=""/>
+          <p:cNvPicPr/>
+          <p:nvPr/>
+        </p:nvPicPr>
+        <p:blipFill>
+          <a:blip r:embed="rId2"/>
+          <a:stretch/>
+        </p:blipFill>
+        <p:spPr>
+          <a:xfrm>
+            <a:off x="4071240" y="3026520"/>
+            <a:ext cx="1328760" cy="1328760"/>
+          </a:xfrm>
+          <a:prstGeom prst="rect">
+            <a:avLst/>
+          </a:prstGeom>
+          <a:ln w="0">
+            <a:noFill/>
+          </a:ln>
+        </p:spPr>
+      </p:pic>
+      <p:pic>
+        <p:nvPicPr>
+          <p:cNvPr id="45" name="" descr=""/>
+          <p:cNvPicPr/>
+          <p:nvPr/>
+        </p:nvPicPr>
+        <p:blipFill>
+          <a:blip r:embed="rId3"/>
+          <a:stretch/>
+        </p:blipFill>
+        <p:spPr>
+          <a:xfrm>
+            <a:off x="5778720" y="2981160"/>
+            <a:ext cx="2262960" cy="1374840"/>
+          </a:xfrm>
+          <a:prstGeom prst="rect">
+            <a:avLst/>
+          </a:prstGeom>
+          <a:ln w="0">
             <a:noFill/>
           </a:ln>
         </p:spPr>
@@ -3666,7 +3923,7 @@
       </p:grpSpPr>
       <p:sp>
         <p:nvSpPr>
-          <p:cNvPr id="41" name="PlaceHolder 1"/>
+          <p:cNvPr id="46" name="PlaceHolder 1"/>
           <p:cNvSpPr>
             <a:spLocks noGrp="1"/>
           </p:cNvSpPr>
@@ -3677,7 +3934,7 @@
         <p:spPr>
           <a:xfrm>
             <a:off x="504000" y="225720"/>
-            <a:ext cx="9071640" cy="946800"/>
+            <a:ext cx="9071280" cy="946440"/>
           </a:xfrm>
           <a:prstGeom prst="rect">
             <a:avLst/>
@@ -3693,7 +3950,13 @@
           </a:bodyPr>
           <a:p>
             <a:pPr indent="0" algn="ctr">
+              <a:lnSpc>
+                <a:spcPct val="100000"/>
+              </a:lnSpc>
               <a:buNone/>
+              <a:tabLst>
+                <a:tab algn="l" pos="0"/>
+              </a:tabLst>
             </a:pPr>
             <a:r>
               <a:rPr b="0" lang="ru-RU" sz="3300" strike="noStrike" u="none">
@@ -3717,7 +3980,7 @@
       </p:sp>
       <p:sp>
         <p:nvSpPr>
-          <p:cNvPr id="42" name="PlaceHolder 2"/>
+          <p:cNvPr id="47" name="PlaceHolder 2"/>
           <p:cNvSpPr>
             <a:spLocks noGrp="1"/>
           </p:cNvSpPr>
@@ -3728,7 +3991,7 @@
         <p:spPr>
           <a:xfrm>
             <a:off x="504000" y="1326600"/>
-            <a:ext cx="9071640" cy="3288240"/>
+            <a:ext cx="9071280" cy="3287880"/>
           </a:xfrm>
           <a:prstGeom prst="rect">
             <a:avLst/>
@@ -3744,6 +4007,9 @@
           </a:bodyPr>
           <a:p>
             <a:pPr marL="432000" indent="-324000">
+              <a:lnSpc>
+                <a:spcPct val="100000"/>
+              </a:lnSpc>
               <a:spcBef>
                 <a:spcPts val="1060"/>
               </a:spcBef>
@@ -3806,7 +4072,7 @@
       </p:grpSpPr>
       <p:sp>
         <p:nvSpPr>
-          <p:cNvPr id="43" name="PlaceHolder 1"/>
+          <p:cNvPr id="48" name="PlaceHolder 1"/>
           <p:cNvSpPr>
             <a:spLocks noGrp="1"/>
           </p:cNvSpPr>
@@ -3817,7 +4083,7 @@
         <p:spPr>
           <a:xfrm>
             <a:off x="504000" y="225720"/>
-            <a:ext cx="9071640" cy="946800"/>
+            <a:ext cx="9071280" cy="946440"/>
           </a:xfrm>
           <a:prstGeom prst="rect">
             <a:avLst/>
@@ -3833,7 +4099,13 @@
           </a:bodyPr>
           <a:p>
             <a:pPr indent="0" algn="ctr">
+              <a:lnSpc>
+                <a:spcPct val="100000"/>
+              </a:lnSpc>
               <a:buNone/>
+              <a:tabLst>
+                <a:tab algn="l" pos="0"/>
+              </a:tabLst>
             </a:pPr>
             <a:r>
               <a:rPr b="0" lang="ru-RU" sz="3300" strike="noStrike" u="none">
@@ -3857,7 +4129,7 @@
       </p:sp>
       <p:sp>
         <p:nvSpPr>
-          <p:cNvPr id="44" name="PlaceHolder 2"/>
+          <p:cNvPr id="49" name="PlaceHolder 2"/>
           <p:cNvSpPr>
             <a:spLocks noGrp="1"/>
           </p:cNvSpPr>
@@ -3868,7 +4140,7 @@
         <p:spPr>
           <a:xfrm>
             <a:off x="504000" y="1326600"/>
-            <a:ext cx="9071640" cy="3288240"/>
+            <a:ext cx="9071280" cy="3287880"/>
           </a:xfrm>
           <a:prstGeom prst="rect">
             <a:avLst/>
@@ -3880,10 +4152,13 @@
         </p:spPr>
         <p:txBody>
           <a:bodyPr lIns="0" rIns="0" tIns="0" bIns="0" anchor="t">
-            <a:normAutofit/>
+            <a:normAutofit fontScale="70000" lnSpcReduction="19999"/>
           </a:bodyPr>
           <a:p>
             <a:pPr marL="432000" indent="-324000">
+              <a:lnSpc>
+                <a:spcPct val="100000"/>
+              </a:lnSpc>
               <a:spcBef>
                 <a:spcPts val="1060"/>
               </a:spcBef>
@@ -3914,9 +4189,15 @@
           </a:p>
           <a:p>
             <a:pPr marL="432000" indent="-324000">
+              <a:lnSpc>
+                <a:spcPct val="100000"/>
+              </a:lnSpc>
               <a:spcBef>
-                <a:spcPts val="1060"/>
+                <a:spcPts val="1191"/>
               </a:spcBef>
+              <a:spcAft>
+                <a:spcPts val="992"/>
+              </a:spcAft>
               <a:buClr>
                 <a:srgbClr val="000000"/>
               </a:buClr>
@@ -3931,7 +4212,7 @@
                 <a:uFillTx/>
                 <a:latin typeface="Arial"/>
               </a:rPr>
-              <a:t>main.py — главное окно</a:t>
+              <a:t>main.py - отвечает за начальную заставку и открытие уровня</a:t>
             </a:r>
             <a:endParaRPr b="0" lang="ru-RU" sz="2400" strike="noStrike" u="none">
               <a:solidFill>
@@ -3943,9 +4224,15 @@
           </a:p>
           <a:p>
             <a:pPr marL="432000" indent="-324000">
+              <a:lnSpc>
+                <a:spcPct val="100000"/>
+              </a:lnSpc>
               <a:spcBef>
-                <a:spcPts val="1060"/>
+                <a:spcPts val="1191"/>
               </a:spcBef>
+              <a:spcAft>
+                <a:spcPts val="992"/>
+              </a:spcAft>
               <a:buClr>
                 <a:srgbClr val="000000"/>
               </a:buClr>
@@ -3960,7 +4247,7 @@
                 <a:uFillTx/>
                 <a:latin typeface="Arial"/>
               </a:rPr>
-              <a:t>level.py — генерация и создания уровня</a:t>
+              <a:t>level.py - отвечает за генерацию и хранение данных на уровне, внутри этого файла реализован класс Level</a:t>
             </a:r>
             <a:endParaRPr b="0" lang="ru-RU" sz="2400" strike="noStrike" u="none">
               <a:solidFill>
@@ -3972,9 +4259,15 @@
           </a:p>
           <a:p>
             <a:pPr marL="432000" indent="-324000">
+              <a:lnSpc>
+                <a:spcPct val="100000"/>
+              </a:lnSpc>
               <a:spcBef>
-                <a:spcPts val="1060"/>
+                <a:spcPts val="1191"/>
               </a:spcBef>
+              <a:spcAft>
+                <a:spcPts val="992"/>
+              </a:spcAft>
               <a:buClr>
                 <a:srgbClr val="000000"/>
               </a:buClr>
@@ -3989,7 +4282,7 @@
                 <a:uFillTx/>
                 <a:latin typeface="Arial"/>
               </a:rPr>
-              <a:t>blocs.py — платформы </a:t>
+              <a:t>player.py - файл, отвечающий за персонажа в том числе за его соприкосновенеие с объектами. Внутри имеется класс player</a:t>
             </a:r>
             <a:endParaRPr b="0" lang="ru-RU" sz="2400" strike="noStrike" u="none">
               <a:solidFill>
@@ -4001,9 +4294,15 @@
           </a:p>
           <a:p>
             <a:pPr marL="432000" indent="-324000">
+              <a:lnSpc>
+                <a:spcPct val="100000"/>
+              </a:lnSpc>
               <a:spcBef>
-                <a:spcPts val="1060"/>
+                <a:spcPts val="1191"/>
               </a:spcBef>
+              <a:spcAft>
+                <a:spcPts val="992"/>
+              </a:spcAft>
               <a:buClr>
                 <a:srgbClr val="000000"/>
               </a:buClr>
@@ -4018,7 +4317,7 @@
                 <a:uFillTx/>
                 <a:latin typeface="Arial"/>
               </a:rPr>
-              <a:t>Crystal.py — кристаллы</a:t>
+              <a:t>crystal.py - спрайт кристала</a:t>
             </a:r>
             <a:endParaRPr b="0" lang="ru-RU" sz="2400" strike="noStrike" u="none">
               <a:solidFill>
@@ -4030,9 +4329,15 @@
           </a:p>
           <a:p>
             <a:pPr marL="432000" indent="-324000">
+              <a:lnSpc>
+                <a:spcPct val="100000"/>
+              </a:lnSpc>
               <a:spcBef>
-                <a:spcPts val="1060"/>
+                <a:spcPts val="1191"/>
               </a:spcBef>
+              <a:spcAft>
+                <a:spcPts val="992"/>
+              </a:spcAft>
               <a:buClr>
                 <a:srgbClr val="000000"/>
               </a:buClr>
@@ -4047,8 +4352,64 @@
                 <a:uFillTx/>
                 <a:latin typeface="Arial"/>
               </a:rPr>
-              <a:t>Player.py — файл механик персонажа</a:t>
-            </a:r>
+              <a:t>platforms.py - спрайт платформы</a:t>
+            </a:r>
+            <a:endParaRPr b="0" lang="ru-RU" sz="2400" strike="noStrike" u="none">
+              <a:solidFill>
+                <a:srgbClr val="000000"/>
+              </a:solidFill>
+              <a:uFillTx/>
+              <a:latin typeface="Arial"/>
+            </a:endParaRPr>
+          </a:p>
+          <a:p>
+            <a:pPr marL="432000" indent="-324000">
+              <a:lnSpc>
+                <a:spcPct val="100000"/>
+              </a:lnSpc>
+              <a:spcBef>
+                <a:spcPts val="1191"/>
+              </a:spcBef>
+              <a:spcAft>
+                <a:spcPts val="992"/>
+              </a:spcAft>
+              <a:buClr>
+                <a:srgbClr val="000000"/>
+              </a:buClr>
+              <a:buFont typeface="StarSymbol"/>
+              <a:buAutoNum type="arabicParenR"/>
+            </a:pPr>
+            <a:r>
+              <a:rPr b="0" lang="ru-RU" sz="2400" strike="noStrike" u="none">
+                <a:solidFill>
+                  <a:srgbClr val="000000"/>
+                </a:solidFill>
+                <a:uFillTx/>
+                <a:latin typeface="Arial"/>
+              </a:rPr>
+              <a:t>spike.py - спрайт энергетической дыры</a:t>
+            </a:r>
+            <a:endParaRPr b="0" lang="ru-RU" sz="2400" strike="noStrike" u="none">
+              <a:solidFill>
+                <a:srgbClr val="000000"/>
+              </a:solidFill>
+              <a:uFillTx/>
+              <a:latin typeface="Arial"/>
+            </a:endParaRPr>
+          </a:p>
+          <a:p>
+            <a:pPr marL="432000" indent="0">
+              <a:lnSpc>
+                <a:spcPct val="100000"/>
+              </a:lnSpc>
+              <a:spcBef>
+                <a:spcPts val="1191"/>
+              </a:spcBef>
+              <a:spcAft>
+                <a:spcPts val="992"/>
+              </a:spcAft>
+              <a:buNone/>
+            </a:pPr>
             <a:endParaRPr b="0" lang="ru-RU" sz="2400" strike="noStrike" u="none">
               <a:solidFill>
                 <a:srgbClr val="000000"/>
@@ -4091,7 +4452,7 @@
       </p:grpSpPr>
       <p:sp>
         <p:nvSpPr>
-          <p:cNvPr id="45" name="PlaceHolder 1"/>
+          <p:cNvPr id="50" name="PlaceHolder 1"/>
           <p:cNvSpPr>
             <a:spLocks noGrp="1"/>
           </p:cNvSpPr>
@@ -4102,7 +4463,7 @@
         <p:spPr>
           <a:xfrm>
             <a:off x="2376000" y="2376000"/>
-            <a:ext cx="7199640" cy="946800"/>
+            <a:ext cx="7199280" cy="946440"/>
           </a:xfrm>
           <a:prstGeom prst="rect">
             <a:avLst/>
@@ -4118,7 +4479,13 @@
           </a:bodyPr>
           <a:p>
             <a:pPr indent="0" algn="ctr">
+              <a:lnSpc>
+                <a:spcPct val="100000"/>
+              </a:lnSpc>
               <a:buNone/>
+              <a:tabLst>
+                <a:tab algn="l" pos="0"/>
+              </a:tabLst>
             </a:pPr>
             <a:r>
               <a:rPr b="0" lang="en-US" sz="2200" strike="noStrike" u="none">
